--- a/W05/W05_skl2web.pptx
+++ b/W05/W05_skl2web.pptx
@@ -5,7 +5,7 @@
     <p:sldMasterId id="2147483659" r:id="rId1"/>
   </p:sldMasterIdLst>
   <p:notesMasterIdLst>
-    <p:notesMasterId r:id="rId47"/>
+    <p:notesMasterId r:id="rId68"/>
   </p:notesMasterIdLst>
   <p:sldIdLst>
     <p:sldId id="256" r:id="rId2"/>
@@ -51,8 +51,29 @@
     <p:sldId id="306" r:id="rId42"/>
     <p:sldId id="307" r:id="rId43"/>
     <p:sldId id="308" r:id="rId44"/>
-    <p:sldId id="310" r:id="rId45"/>
-    <p:sldId id="309" r:id="rId46"/>
+    <p:sldId id="311" r:id="rId45"/>
+    <p:sldId id="312" r:id="rId46"/>
+    <p:sldId id="313" r:id="rId47"/>
+    <p:sldId id="314" r:id="rId48"/>
+    <p:sldId id="315" r:id="rId49"/>
+    <p:sldId id="316" r:id="rId50"/>
+    <p:sldId id="317" r:id="rId51"/>
+    <p:sldId id="318" r:id="rId52"/>
+    <p:sldId id="319" r:id="rId53"/>
+    <p:sldId id="320" r:id="rId54"/>
+    <p:sldId id="321" r:id="rId55"/>
+    <p:sldId id="322" r:id="rId56"/>
+    <p:sldId id="323" r:id="rId57"/>
+    <p:sldId id="324" r:id="rId58"/>
+    <p:sldId id="325" r:id="rId59"/>
+    <p:sldId id="310" r:id="rId60"/>
+    <p:sldId id="309" r:id="rId61"/>
+    <p:sldId id="326" r:id="rId62"/>
+    <p:sldId id="327" r:id="rId63"/>
+    <p:sldId id="328" r:id="rId64"/>
+    <p:sldId id="331" r:id="rId65"/>
+    <p:sldId id="329" r:id="rId66"/>
+    <p:sldId id="330" r:id="rId67"/>
   </p:sldIdLst>
   <p:sldSz cx="9144000" cy="6858000" type="screen4x3"/>
   <p:notesSz cx="6858000" cy="9144000"/>
@@ -287,7 +308,7 @@
   </p:defaultTextStyle>
   <p:extLst>
     <p:ext uri="{EFAFB233-063F-42B5-8137-9DF3F51BA10A}">
-      <p15:sldGuideLst xmlns:ahyp="http://schemas.microsoft.com/office/drawing/2018/hyperlinkcolor" xmlns:p15="http://schemas.microsoft.com/office/powerpoint/2012/main" xmlns:p14="http://schemas.microsoft.com/office/powerpoint/2010/main" xmlns:com="http://schemas.openxmlformats.org/drawingml/2006/compatibility" xmlns:pvml="urn:schemas-microsoft-com:office:powerpoint" xmlns:v="urn:schemas-microsoft-com:vml" xmlns:o="urn:schemas-microsoft-com:office:office" xmlns:dgm="http://schemas.openxmlformats.org/drawingml/2006/diagram" xmlns:c="http://schemas.openxmlformats.org/drawingml/2006/chart" xmlns:mv="urn:schemas-microsoft-com:mac:vml" xmlns:mc="http://schemas.openxmlformats.org/markup-compatibility/2006" xmlns="">
+      <p15:sldGuideLst xmlns="" xmlns:mc="http://schemas.openxmlformats.org/markup-compatibility/2006" xmlns:mv="urn:schemas-microsoft-com:mac:vml" xmlns:c="http://schemas.openxmlformats.org/drawingml/2006/chart" xmlns:dgm="http://schemas.openxmlformats.org/drawingml/2006/diagram" xmlns:o="urn:schemas-microsoft-com:office:office" xmlns:v="urn:schemas-microsoft-com:vml" xmlns:pvml="urn:schemas-microsoft-com:office:powerpoint" xmlns:com="http://schemas.openxmlformats.org/drawingml/2006/compatibility" xmlns:p14="http://schemas.microsoft.com/office/powerpoint/2010/main" xmlns:p15="http://schemas.microsoft.com/office/powerpoint/2012/main" xmlns:ahyp="http://schemas.microsoft.com/office/drawing/2018/hyperlinkcolor">
         <p15:guide id="1" orient="horz" pos="2160">
           <p15:clr>
             <a:srgbClr val="000000"/>
@@ -14042,7 +14063,7 @@
             <a:spLocks noGrp="1"/>
           </p:cNvSpPr>
           <p:nvPr>
-            <p:ph type="ctrTitle"/>
+            <p:ph type="title"/>
           </p:nvPr>
         </p:nvSpPr>
         <p:spPr/>
@@ -14052,11 +14073,11 @@
           <a:p>
             <a:r>
               <a:rPr lang="zh-TW" altLang="en-US" dirty="0" smtClean="0"/>
-              <a:t>安裝</a:t>
+              <a:t>如何傳入參數</a:t>
             </a:r>
             <a:r>
               <a:rPr lang="en-US" altLang="zh-TW" dirty="0" smtClean="0"/>
-              <a:t>modules</a:t>
+              <a:t>?</a:t>
             </a:r>
             <a:endParaRPr lang="zh-TW" altLang="en-US" dirty="0"/>
           </a:p>
@@ -14064,12 +14085,12 @@
       </p:sp>
       <p:sp>
         <p:nvSpPr>
-          <p:cNvPr id="3" name="副標題 2"/>
+          <p:cNvPr id="3" name="文字版面配置區 2"/>
           <p:cNvSpPr>
             <a:spLocks noGrp="1"/>
           </p:cNvSpPr>
           <p:nvPr>
-            <p:ph type="subTitle" idx="1"/>
+            <p:ph type="body" idx="1"/>
           </p:nvPr>
         </p:nvSpPr>
         <p:spPr/>
@@ -14077,10 +14098,55 @@
           <a:bodyPr/>
           <a:lstStyle/>
           <a:p>
-            <a:endParaRPr lang="zh-TW" altLang="en-US"/>
-          </a:p>
-        </p:txBody>
-      </p:sp>
+            <a:r>
+              <a:rPr lang="zh-TW" altLang="en-US" dirty="0" smtClean="0"/>
+              <a:t>我們修改 </a:t>
+            </a:r>
+            <a:r>
+              <a:rPr lang="en-US" altLang="zh-TW" dirty="0" smtClean="0"/>
+              <a:t>/hello </a:t>
+            </a:r>
+            <a:r>
+              <a:rPr lang="en-US" altLang="zh-TW" dirty="0" err="1" smtClean="0"/>
+              <a:t>的功能</a:t>
+            </a:r>
+            <a:endParaRPr lang="zh-TW" altLang="en-US" dirty="0"/>
+          </a:p>
+        </p:txBody>
+      </p:sp>
+      <p:pic>
+        <p:nvPicPr>
+          <p:cNvPr id="1026" name="Picture 2"/>
+          <p:cNvPicPr>
+            <a:picLocks noChangeAspect="1" noChangeArrowheads="1"/>
+          </p:cNvPicPr>
+          <p:nvPr/>
+        </p:nvPicPr>
+        <p:blipFill>
+          <a:blip r:embed="rId2"/>
+          <a:srcRect/>
+          <a:stretch>
+            <a:fillRect/>
+          </a:stretch>
+        </p:blipFill>
+        <p:spPr bwMode="auto">
+          <a:xfrm>
+            <a:off x="1190170" y="2587624"/>
+            <a:ext cx="5109031" cy="1782839"/>
+          </a:xfrm>
+          <a:prstGeom prst="rect">
+            <a:avLst/>
+          </a:prstGeom>
+          <a:noFill/>
+          <a:ln w="9525">
+            <a:noFill/>
+            <a:miter lim="800000"/>
+            <a:headEnd/>
+            <a:tailEnd/>
+          </a:ln>
+          <a:effectLst/>
+        </p:spPr>
+      </p:pic>
     </p:spTree>
   </p:cSld>
   <p:clrMapOvr>
@@ -14141,24 +14207,636 @@
           <a:lstStyle/>
           <a:p>
             <a:r>
-              <a:rPr lang="en-US" altLang="zh-TW" dirty="0" smtClean="0">
-                <a:hlinkClick r:id="rId2"/>
-              </a:rPr>
-              <a:t>https://help.pythonanywhere.com/pages/InstallingNewModules</a:t>
-            </a:r>
-            <a:r>
-              <a:rPr lang="en-US" altLang="zh-TW" dirty="0" smtClean="0">
-                <a:hlinkClick r:id="rId2"/>
-              </a:rPr>
-              <a:t>/</a:t>
+              <a:rPr lang="zh-TW" altLang="en-US" dirty="0" smtClean="0"/>
+              <a:t>來看一下我們的成果</a:t>
             </a:r>
             <a:endParaRPr lang="en-US" altLang="zh-TW" dirty="0" smtClean="0"/>
           </a:p>
           <a:p>
+            <a:r>
+              <a:rPr lang="en-US" altLang="zh-TW" dirty="0" smtClean="0"/>
+              <a:t>http://</a:t>
+            </a:r>
+            <a:r>
+              <a:rPr lang="en-US" altLang="zh-TW" dirty="0" err="1" smtClean="0"/>
+              <a:t>你的址址</a:t>
+            </a:r>
+            <a:r>
+              <a:rPr lang="en-US" altLang="zh-TW" dirty="0" smtClean="0"/>
+              <a:t>/hello</a:t>
+            </a:r>
             <a:endParaRPr lang="zh-TW" altLang="en-US" dirty="0"/>
           </a:p>
         </p:txBody>
       </p:sp>
+      <p:pic>
+        <p:nvPicPr>
+          <p:cNvPr id="4" name="Picture 3"/>
+          <p:cNvPicPr>
+            <a:picLocks noChangeAspect="1" noChangeArrowheads="1"/>
+          </p:cNvPicPr>
+          <p:nvPr/>
+        </p:nvPicPr>
+        <p:blipFill>
+          <a:blip r:embed="rId2"/>
+          <a:srcRect/>
+          <a:stretch>
+            <a:fillRect/>
+          </a:stretch>
+        </p:blipFill>
+        <p:spPr bwMode="auto">
+          <a:xfrm>
+            <a:off x="858839" y="2957286"/>
+            <a:ext cx="5919332" cy="1737786"/>
+          </a:xfrm>
+          <a:prstGeom prst="rect">
+            <a:avLst/>
+          </a:prstGeom>
+          <a:noFill/>
+          <a:ln w="9525">
+            <a:noFill/>
+            <a:miter lim="800000"/>
+            <a:headEnd/>
+            <a:tailEnd/>
+          </a:ln>
+          <a:effectLst/>
+        </p:spPr>
+      </p:pic>
+    </p:spTree>
+  </p:cSld>
+  <p:clrMapOvr>
+    <a:masterClrMapping/>
+  </p:clrMapOvr>
+</p:sld>
+</file>
+
+<file path=ppt/slides/slide46.xml><?xml version="1.0" encoding="utf-8"?>
+<p:sld xmlns:a="http://schemas.openxmlformats.org/drawingml/2006/main" xmlns:r="http://schemas.openxmlformats.org/officeDocument/2006/relationships" xmlns:p="http://schemas.openxmlformats.org/presentationml/2006/main">
+  <p:cSld>
+    <p:spTree>
+      <p:nvGrpSpPr>
+        <p:cNvPr id="1" name=""/>
+        <p:cNvGrpSpPr/>
+        <p:nvPr/>
+      </p:nvGrpSpPr>
+      <p:grpSpPr>
+        <a:xfrm>
+          <a:off x="0" y="0"/>
+          <a:ext cx="0" cy="0"/>
+          <a:chOff x="0" y="0"/>
+          <a:chExt cx="0" cy="0"/>
+        </a:xfrm>
+      </p:grpSpPr>
+      <p:sp>
+        <p:nvSpPr>
+          <p:cNvPr id="2" name="標題 1"/>
+          <p:cNvSpPr>
+            <a:spLocks noGrp="1"/>
+          </p:cNvSpPr>
+          <p:nvPr>
+            <p:ph type="title"/>
+          </p:nvPr>
+        </p:nvSpPr>
+        <p:spPr/>
+        <p:txBody>
+          <a:bodyPr/>
+          <a:lstStyle/>
+          <a:p>
+            <a:endParaRPr lang="zh-TW" altLang="en-US" dirty="0"/>
+          </a:p>
+        </p:txBody>
+      </p:sp>
+      <p:sp>
+        <p:nvSpPr>
+          <p:cNvPr id="3" name="文字版面配置區 2"/>
+          <p:cNvSpPr>
+            <a:spLocks noGrp="1"/>
+          </p:cNvSpPr>
+          <p:nvPr>
+            <p:ph type="body" idx="1"/>
+          </p:nvPr>
+        </p:nvSpPr>
+        <p:spPr/>
+        <p:txBody>
+          <a:bodyPr/>
+          <a:lstStyle/>
+          <a:p>
+            <a:r>
+              <a:rPr lang="zh-TW" altLang="en-US" dirty="0" smtClean="0"/>
+              <a:t>趕緊看一下</a:t>
+            </a:r>
+            <a:r>
+              <a:rPr lang="en-US" altLang="zh-TW" dirty="0" smtClean="0"/>
+              <a:t>error.log</a:t>
+            </a:r>
+            <a:endParaRPr lang="zh-TW" altLang="en-US" dirty="0"/>
+          </a:p>
+        </p:txBody>
+      </p:sp>
+      <p:pic>
+        <p:nvPicPr>
+          <p:cNvPr id="2050" name="Picture 2"/>
+          <p:cNvPicPr>
+            <a:picLocks noChangeAspect="1" noChangeArrowheads="1"/>
+          </p:cNvPicPr>
+          <p:nvPr/>
+        </p:nvPicPr>
+        <p:blipFill>
+          <a:blip r:embed="rId2"/>
+          <a:srcRect/>
+          <a:stretch>
+            <a:fillRect/>
+          </a:stretch>
+        </p:blipFill>
+        <p:spPr bwMode="auto">
+          <a:xfrm>
+            <a:off x="388587" y="3817257"/>
+            <a:ext cx="8755413" cy="2806711"/>
+          </a:xfrm>
+          <a:prstGeom prst="rect">
+            <a:avLst/>
+          </a:prstGeom>
+          <a:noFill/>
+          <a:ln w="9525">
+            <a:noFill/>
+            <a:miter lim="800000"/>
+            <a:headEnd/>
+            <a:tailEnd/>
+          </a:ln>
+          <a:effectLst/>
+        </p:spPr>
+      </p:pic>
+      <p:pic>
+        <p:nvPicPr>
+          <p:cNvPr id="2051" name="Picture 3"/>
+          <p:cNvPicPr>
+            <a:picLocks noChangeAspect="1" noChangeArrowheads="1"/>
+          </p:cNvPicPr>
+          <p:nvPr/>
+        </p:nvPicPr>
+        <p:blipFill>
+          <a:blip r:embed="rId3"/>
+          <a:srcRect/>
+          <a:stretch>
+            <a:fillRect/>
+          </a:stretch>
+        </p:blipFill>
+        <p:spPr bwMode="auto">
+          <a:xfrm>
+            <a:off x="1389742" y="2015671"/>
+            <a:ext cx="5431971" cy="1892960"/>
+          </a:xfrm>
+          <a:prstGeom prst="rect">
+            <a:avLst/>
+          </a:prstGeom>
+          <a:noFill/>
+          <a:ln w="9525">
+            <a:noFill/>
+            <a:miter lim="800000"/>
+            <a:headEnd/>
+            <a:tailEnd/>
+          </a:ln>
+          <a:effectLst/>
+        </p:spPr>
+      </p:pic>
+    </p:spTree>
+  </p:cSld>
+  <p:clrMapOvr>
+    <a:masterClrMapping/>
+  </p:clrMapOvr>
+</p:sld>
+</file>
+
+<file path=ppt/slides/slide47.xml><?xml version="1.0" encoding="utf-8"?>
+<p:sld xmlns:a="http://schemas.openxmlformats.org/drawingml/2006/main" xmlns:r="http://schemas.openxmlformats.org/officeDocument/2006/relationships" xmlns:p="http://schemas.openxmlformats.org/presentationml/2006/main">
+  <p:cSld>
+    <p:spTree>
+      <p:nvGrpSpPr>
+        <p:cNvPr id="1" name=""/>
+        <p:cNvGrpSpPr/>
+        <p:nvPr/>
+      </p:nvGrpSpPr>
+      <p:grpSpPr>
+        <a:xfrm>
+          <a:off x="0" y="0"/>
+          <a:ext cx="0" cy="0"/>
+          <a:chOff x="0" y="0"/>
+          <a:chExt cx="0" cy="0"/>
+        </a:xfrm>
+      </p:grpSpPr>
+      <p:sp>
+        <p:nvSpPr>
+          <p:cNvPr id="2" name="標題 1"/>
+          <p:cNvSpPr>
+            <a:spLocks noGrp="1"/>
+          </p:cNvSpPr>
+          <p:nvPr>
+            <p:ph type="title"/>
+          </p:nvPr>
+        </p:nvSpPr>
+        <p:spPr/>
+        <p:txBody>
+          <a:bodyPr/>
+          <a:lstStyle/>
+          <a:p>
+            <a:endParaRPr lang="zh-TW" altLang="en-US"/>
+          </a:p>
+        </p:txBody>
+      </p:sp>
+      <p:sp>
+        <p:nvSpPr>
+          <p:cNvPr id="3" name="文字版面配置區 2"/>
+          <p:cNvSpPr>
+            <a:spLocks noGrp="1"/>
+          </p:cNvSpPr>
+          <p:nvPr>
+            <p:ph type="body" idx="1"/>
+          </p:nvPr>
+        </p:nvSpPr>
+        <p:spPr/>
+        <p:txBody>
+          <a:bodyPr/>
+          <a:lstStyle/>
+          <a:p>
+            <a:r>
+              <a:rPr lang="zh-TW" altLang="en-US" dirty="0" smtClean="0"/>
+              <a:t>補上 </a:t>
+            </a:r>
+            <a:r>
+              <a:rPr lang="en-US" altLang="zh-TW" dirty="0" smtClean="0"/>
+              <a:t>request</a:t>
+            </a:r>
+            <a:r>
+              <a:rPr lang="zh-TW" altLang="en-US" dirty="0" smtClean="0"/>
+              <a:t> 就可以了</a:t>
+            </a:r>
+            <a:endParaRPr lang="en-US" altLang="zh-TW" dirty="0" smtClean="0"/>
+          </a:p>
+          <a:p>
+            <a:r>
+              <a:rPr lang="zh-TW" altLang="en-US" dirty="0" smtClean="0"/>
+              <a:t>參數用 </a:t>
+            </a:r>
+            <a:r>
+              <a:rPr lang="en-US" altLang="zh-TW" dirty="0" smtClean="0"/>
+              <a:t>?name=</a:t>
+            </a:r>
+            <a:r>
+              <a:rPr lang="en-US" altLang="zh-TW" dirty="0" err="1" smtClean="0"/>
+              <a:t>jacky</a:t>
+            </a:r>
+            <a:r>
+              <a:rPr lang="en-US" altLang="zh-TW" dirty="0" smtClean="0"/>
+              <a:t> </a:t>
+            </a:r>
+            <a:r>
+              <a:rPr lang="en-US" altLang="zh-TW" dirty="0" err="1" smtClean="0"/>
+              <a:t>做輸入</a:t>
+            </a:r>
+            <a:endParaRPr lang="zh-TW" altLang="en-US" dirty="0"/>
+          </a:p>
+        </p:txBody>
+      </p:sp>
+      <p:pic>
+        <p:nvPicPr>
+          <p:cNvPr id="3075" name="Picture 3"/>
+          <p:cNvPicPr>
+            <a:picLocks noChangeAspect="1" noChangeArrowheads="1"/>
+          </p:cNvPicPr>
+          <p:nvPr/>
+        </p:nvPicPr>
+        <p:blipFill>
+          <a:blip r:embed="rId2"/>
+          <a:srcRect/>
+          <a:stretch>
+            <a:fillRect/>
+          </a:stretch>
+        </p:blipFill>
+        <p:spPr bwMode="auto">
+          <a:xfrm>
+            <a:off x="1609725" y="2504848"/>
+            <a:ext cx="4705350" cy="1819275"/>
+          </a:xfrm>
+          <a:prstGeom prst="rect">
+            <a:avLst/>
+          </a:prstGeom>
+          <a:noFill/>
+          <a:ln w="9525">
+            <a:noFill/>
+            <a:miter lim="800000"/>
+            <a:headEnd/>
+            <a:tailEnd/>
+          </a:ln>
+          <a:effectLst/>
+        </p:spPr>
+      </p:pic>
+      <p:pic>
+        <p:nvPicPr>
+          <p:cNvPr id="3076" name="Picture 4"/>
+          <p:cNvPicPr>
+            <a:picLocks noChangeAspect="1" noChangeArrowheads="1"/>
+          </p:cNvPicPr>
+          <p:nvPr/>
+        </p:nvPicPr>
+        <p:blipFill>
+          <a:blip r:embed="rId3"/>
+          <a:srcRect/>
+          <a:stretch>
+            <a:fillRect/>
+          </a:stretch>
+        </p:blipFill>
+        <p:spPr bwMode="auto">
+          <a:xfrm>
+            <a:off x="1584553" y="5600700"/>
+            <a:ext cx="5191125" cy="1257300"/>
+          </a:xfrm>
+          <a:prstGeom prst="rect">
+            <a:avLst/>
+          </a:prstGeom>
+          <a:noFill/>
+          <a:ln w="9525">
+            <a:noFill/>
+            <a:miter lim="800000"/>
+            <a:headEnd/>
+            <a:tailEnd/>
+          </a:ln>
+          <a:effectLst/>
+        </p:spPr>
+      </p:pic>
+      <p:pic>
+        <p:nvPicPr>
+          <p:cNvPr id="3077" name="Picture 5"/>
+          <p:cNvPicPr>
+            <a:picLocks noChangeAspect="1" noChangeArrowheads="1"/>
+          </p:cNvPicPr>
+          <p:nvPr/>
+        </p:nvPicPr>
+        <p:blipFill>
+          <a:blip r:embed="rId4"/>
+          <a:srcRect/>
+          <a:stretch>
+            <a:fillRect/>
+          </a:stretch>
+        </p:blipFill>
+        <p:spPr bwMode="auto">
+          <a:xfrm>
+            <a:off x="1625147" y="4630964"/>
+            <a:ext cx="4210050" cy="876300"/>
+          </a:xfrm>
+          <a:prstGeom prst="rect">
+            <a:avLst/>
+          </a:prstGeom>
+          <a:noFill/>
+          <a:ln w="9525">
+            <a:noFill/>
+            <a:miter lim="800000"/>
+            <a:headEnd/>
+            <a:tailEnd/>
+          </a:ln>
+          <a:effectLst/>
+        </p:spPr>
+      </p:pic>
+    </p:spTree>
+  </p:cSld>
+  <p:clrMapOvr>
+    <a:masterClrMapping/>
+  </p:clrMapOvr>
+</p:sld>
+</file>
+
+<file path=ppt/slides/slide48.xml><?xml version="1.0" encoding="utf-8"?>
+<p:sld xmlns:a="http://schemas.openxmlformats.org/drawingml/2006/main" xmlns:r="http://schemas.openxmlformats.org/officeDocument/2006/relationships" xmlns:p="http://schemas.openxmlformats.org/presentationml/2006/main">
+  <p:cSld>
+    <p:spTree>
+      <p:nvGrpSpPr>
+        <p:cNvPr id="1" name=""/>
+        <p:cNvGrpSpPr/>
+        <p:nvPr/>
+      </p:nvGrpSpPr>
+      <p:grpSpPr>
+        <a:xfrm>
+          <a:off x="0" y="0"/>
+          <a:ext cx="0" cy="0"/>
+          <a:chOff x="0" y="0"/>
+          <a:chExt cx="0" cy="0"/>
+        </a:xfrm>
+      </p:grpSpPr>
+      <p:sp>
+        <p:nvSpPr>
+          <p:cNvPr id="2" name="標題 1"/>
+          <p:cNvSpPr>
+            <a:spLocks noGrp="1"/>
+          </p:cNvSpPr>
+          <p:nvPr>
+            <p:ph type="title"/>
+          </p:nvPr>
+        </p:nvSpPr>
+        <p:spPr/>
+        <p:txBody>
+          <a:bodyPr/>
+          <a:lstStyle/>
+          <a:p>
+            <a:endParaRPr lang="zh-TW" altLang="en-US"/>
+          </a:p>
+        </p:txBody>
+      </p:sp>
+      <p:sp>
+        <p:nvSpPr>
+          <p:cNvPr id="3" name="文字版面配置區 2"/>
+          <p:cNvSpPr>
+            <a:spLocks noGrp="1"/>
+          </p:cNvSpPr>
+          <p:nvPr>
+            <p:ph type="body" idx="1"/>
+          </p:nvPr>
+        </p:nvSpPr>
+        <p:spPr/>
+        <p:txBody>
+          <a:bodyPr/>
+          <a:lstStyle/>
+          <a:p>
+            <a:r>
+              <a:rPr lang="zh-TW" altLang="en-US" dirty="0" smtClean="0"/>
+              <a:t>新增這一個函數，利用輸入的</a:t>
+            </a:r>
+            <a:r>
+              <a:rPr lang="en-US" altLang="zh-TW" dirty="0" err="1" smtClean="0"/>
+              <a:t>x_in去預測y</a:t>
+            </a:r>
+            <a:endParaRPr lang="zh-TW" altLang="en-US" dirty="0"/>
+          </a:p>
+        </p:txBody>
+      </p:sp>
+      <p:pic>
+        <p:nvPicPr>
+          <p:cNvPr id="4099" name="Picture 3"/>
+          <p:cNvPicPr>
+            <a:picLocks noChangeAspect="1" noChangeArrowheads="1"/>
+          </p:cNvPicPr>
+          <p:nvPr/>
+        </p:nvPicPr>
+        <p:blipFill>
+          <a:blip r:embed="rId2"/>
+          <a:srcRect/>
+          <a:stretch>
+            <a:fillRect/>
+          </a:stretch>
+        </p:blipFill>
+        <p:spPr bwMode="auto">
+          <a:xfrm>
+            <a:off x="263072" y="2198006"/>
+            <a:ext cx="8227785" cy="4364137"/>
+          </a:xfrm>
+          <a:prstGeom prst="rect">
+            <a:avLst/>
+          </a:prstGeom>
+          <a:noFill/>
+          <a:ln w="9525">
+            <a:noFill/>
+            <a:miter lim="800000"/>
+            <a:headEnd/>
+            <a:tailEnd/>
+          </a:ln>
+          <a:effectLst/>
+        </p:spPr>
+      </p:pic>
+    </p:spTree>
+  </p:cSld>
+  <p:clrMapOvr>
+    <a:masterClrMapping/>
+  </p:clrMapOvr>
+</p:sld>
+</file>
+
+<file path=ppt/slides/slide49.xml><?xml version="1.0" encoding="utf-8"?>
+<p:sld xmlns:a="http://schemas.openxmlformats.org/drawingml/2006/main" xmlns:r="http://schemas.openxmlformats.org/officeDocument/2006/relationships" xmlns:p="http://schemas.openxmlformats.org/presentationml/2006/main">
+  <p:cSld>
+    <p:spTree>
+      <p:nvGrpSpPr>
+        <p:cNvPr id="1" name=""/>
+        <p:cNvGrpSpPr/>
+        <p:nvPr/>
+      </p:nvGrpSpPr>
+      <p:grpSpPr>
+        <a:xfrm>
+          <a:off x="0" y="0"/>
+          <a:ext cx="0" cy="0"/>
+          <a:chOff x="0" y="0"/>
+          <a:chExt cx="0" cy="0"/>
+        </a:xfrm>
+      </p:grpSpPr>
+      <p:sp>
+        <p:nvSpPr>
+          <p:cNvPr id="2" name="標題 1"/>
+          <p:cNvSpPr>
+            <a:spLocks noGrp="1"/>
+          </p:cNvSpPr>
+          <p:nvPr>
+            <p:ph type="title"/>
+          </p:nvPr>
+        </p:nvSpPr>
+        <p:spPr/>
+        <p:txBody>
+          <a:bodyPr/>
+          <a:lstStyle/>
+          <a:p>
+            <a:r>
+              <a:rPr lang="zh-TW" altLang="en-US" dirty="0" smtClean="0"/>
+              <a:t>測試一下</a:t>
+            </a:r>
+            <a:r>
+              <a:rPr lang="en-US" altLang="zh-TW" dirty="0" smtClean="0"/>
+              <a:t>predict</a:t>
+            </a:r>
+            <a:endParaRPr lang="zh-TW" altLang="en-US" dirty="0"/>
+          </a:p>
+        </p:txBody>
+      </p:sp>
+      <p:sp>
+        <p:nvSpPr>
+          <p:cNvPr id="3" name="文字版面配置區 2"/>
+          <p:cNvSpPr>
+            <a:spLocks noGrp="1"/>
+          </p:cNvSpPr>
+          <p:nvPr>
+            <p:ph type="body" idx="1"/>
+          </p:nvPr>
+        </p:nvSpPr>
+        <p:spPr/>
+        <p:txBody>
+          <a:bodyPr/>
+          <a:lstStyle/>
+          <a:p>
+            <a:endParaRPr lang="zh-TW" altLang="en-US"/>
+          </a:p>
+        </p:txBody>
+      </p:sp>
+      <p:pic>
+        <p:nvPicPr>
+          <p:cNvPr id="5122" name="Picture 2"/>
+          <p:cNvPicPr>
+            <a:picLocks noChangeAspect="1" noChangeArrowheads="1"/>
+          </p:cNvPicPr>
+          <p:nvPr/>
+        </p:nvPicPr>
+        <p:blipFill>
+          <a:blip r:embed="rId2"/>
+          <a:srcRect/>
+          <a:stretch>
+            <a:fillRect/>
+          </a:stretch>
+        </p:blipFill>
+        <p:spPr bwMode="auto">
+          <a:xfrm>
+            <a:off x="989692" y="2300288"/>
+            <a:ext cx="6325507" cy="1258176"/>
+          </a:xfrm>
+          <a:prstGeom prst="rect">
+            <a:avLst/>
+          </a:prstGeom>
+          <a:noFill/>
+          <a:ln w="9525">
+            <a:noFill/>
+            <a:miter lim="800000"/>
+            <a:headEnd/>
+            <a:tailEnd/>
+          </a:ln>
+          <a:effectLst/>
+        </p:spPr>
+      </p:pic>
+      <p:pic>
+        <p:nvPicPr>
+          <p:cNvPr id="5123" name="Picture 3"/>
+          <p:cNvPicPr>
+            <a:picLocks noChangeAspect="1" noChangeArrowheads="1"/>
+          </p:cNvPicPr>
+          <p:nvPr/>
+        </p:nvPicPr>
+        <p:blipFill>
+          <a:blip r:embed="rId3"/>
+          <a:srcRect/>
+          <a:stretch>
+            <a:fillRect/>
+          </a:stretch>
+        </p:blipFill>
+        <p:spPr bwMode="auto">
+          <a:xfrm>
+            <a:off x="1080407" y="3556681"/>
+            <a:ext cx="6307363" cy="1055179"/>
+          </a:xfrm>
+          <a:prstGeom prst="rect">
+            <a:avLst/>
+          </a:prstGeom>
+          <a:noFill/>
+          <a:ln w="9525">
+            <a:noFill/>
+            <a:miter lim="800000"/>
+            <a:headEnd/>
+            <a:tailEnd/>
+          </a:ln>
+          <a:effectLst/>
+        </p:spPr>
+      </p:pic>
     </p:spTree>
   </p:cSld>
   <p:clrMapOvr>
@@ -14263,6 +14941,1140 @@
 </p:sld>
 </file>
 
+<file path=ppt/slides/slide50.xml><?xml version="1.0" encoding="utf-8"?>
+<p:sld xmlns:a="http://schemas.openxmlformats.org/drawingml/2006/main" xmlns:r="http://schemas.openxmlformats.org/officeDocument/2006/relationships" xmlns:p="http://schemas.openxmlformats.org/presentationml/2006/main">
+  <p:cSld>
+    <p:spTree>
+      <p:nvGrpSpPr>
+        <p:cNvPr id="1" name=""/>
+        <p:cNvGrpSpPr/>
+        <p:nvPr/>
+      </p:nvGrpSpPr>
+      <p:grpSpPr>
+        <a:xfrm>
+          <a:off x="0" y="0"/>
+          <a:ext cx="0" cy="0"/>
+          <a:chOff x="0" y="0"/>
+          <a:chExt cx="0" cy="0"/>
+        </a:xfrm>
+      </p:grpSpPr>
+      <p:sp>
+        <p:nvSpPr>
+          <p:cNvPr id="2" name="標題 1"/>
+          <p:cNvSpPr>
+            <a:spLocks noGrp="1"/>
+          </p:cNvSpPr>
+          <p:nvPr>
+            <p:ph type="title"/>
+          </p:nvPr>
+        </p:nvSpPr>
+        <p:spPr/>
+        <p:txBody>
+          <a:bodyPr/>
+          <a:lstStyle/>
+          <a:p>
+            <a:r>
+              <a:rPr lang="en-US" altLang="zh-TW" dirty="0" smtClean="0"/>
+              <a:t>BUT!....</a:t>
+            </a:r>
+            <a:endParaRPr lang="zh-TW" altLang="en-US" dirty="0"/>
+          </a:p>
+        </p:txBody>
+      </p:sp>
+      <p:sp>
+        <p:nvSpPr>
+          <p:cNvPr id="3" name="文字版面配置區 2"/>
+          <p:cNvSpPr>
+            <a:spLocks noGrp="1"/>
+          </p:cNvSpPr>
+          <p:nvPr>
+            <p:ph type="body" idx="1"/>
+          </p:nvPr>
+        </p:nvSpPr>
+        <p:spPr/>
+        <p:txBody>
+          <a:bodyPr/>
+          <a:lstStyle/>
+          <a:p>
+            <a:r>
+              <a:rPr lang="zh-TW" altLang="en-US" dirty="0" smtClean="0"/>
+              <a:t>每次都跑一次訓練</a:t>
+            </a:r>
+            <a:r>
+              <a:rPr lang="en-US" altLang="zh-TW" dirty="0" smtClean="0"/>
+              <a:t>?!</a:t>
+            </a:r>
+            <a:endParaRPr lang="zh-TW" altLang="en-US" dirty="0"/>
+          </a:p>
+        </p:txBody>
+      </p:sp>
+    </p:spTree>
+  </p:cSld>
+  <p:clrMapOvr>
+    <a:masterClrMapping/>
+  </p:clrMapOvr>
+</p:sld>
+</file>
+
+<file path=ppt/slides/slide51.xml><?xml version="1.0" encoding="utf-8"?>
+<p:sld xmlns:a="http://schemas.openxmlformats.org/drawingml/2006/main" xmlns:r="http://schemas.openxmlformats.org/officeDocument/2006/relationships" xmlns:p="http://schemas.openxmlformats.org/presentationml/2006/main">
+  <p:cSld>
+    <p:spTree>
+      <p:nvGrpSpPr>
+        <p:cNvPr id="1" name=""/>
+        <p:cNvGrpSpPr/>
+        <p:nvPr/>
+      </p:nvGrpSpPr>
+      <p:grpSpPr>
+        <a:xfrm>
+          <a:off x="0" y="0"/>
+          <a:ext cx="0" cy="0"/>
+          <a:chOff x="0" y="0"/>
+          <a:chExt cx="0" cy="0"/>
+        </a:xfrm>
+      </p:grpSpPr>
+      <p:sp>
+        <p:nvSpPr>
+          <p:cNvPr id="2" name="標題 1"/>
+          <p:cNvSpPr>
+            <a:spLocks noGrp="1"/>
+          </p:cNvSpPr>
+          <p:nvPr>
+            <p:ph type="title"/>
+          </p:nvPr>
+        </p:nvSpPr>
+        <p:spPr/>
+        <p:txBody>
+          <a:bodyPr/>
+          <a:lstStyle/>
+          <a:p>
+            <a:r>
+              <a:rPr lang="zh-TW" altLang="en-US" dirty="0" smtClean="0"/>
+              <a:t>把我們的</a:t>
+            </a:r>
+            <a:r>
+              <a:rPr lang="en-US" altLang="zh-TW" dirty="0" err="1" smtClean="0"/>
+              <a:t>Model存起來</a:t>
+            </a:r>
+            <a:endParaRPr lang="zh-TW" altLang="en-US" dirty="0"/>
+          </a:p>
+        </p:txBody>
+      </p:sp>
+      <p:sp>
+        <p:nvSpPr>
+          <p:cNvPr id="3" name="文字版面配置區 2"/>
+          <p:cNvSpPr>
+            <a:spLocks noGrp="1"/>
+          </p:cNvSpPr>
+          <p:nvPr>
+            <p:ph type="body" idx="1"/>
+          </p:nvPr>
+        </p:nvSpPr>
+        <p:spPr/>
+        <p:txBody>
+          <a:bodyPr/>
+          <a:lstStyle/>
+          <a:p>
+            <a:endParaRPr lang="zh-TW" altLang="en-US"/>
+          </a:p>
+        </p:txBody>
+      </p:sp>
+      <p:pic>
+        <p:nvPicPr>
+          <p:cNvPr id="1026" name="Picture 2"/>
+          <p:cNvPicPr>
+            <a:picLocks noChangeAspect="1" noChangeArrowheads="1"/>
+          </p:cNvPicPr>
+          <p:nvPr/>
+        </p:nvPicPr>
+        <p:blipFill>
+          <a:blip r:embed="rId2"/>
+          <a:srcRect/>
+          <a:stretch>
+            <a:fillRect/>
+          </a:stretch>
+        </p:blipFill>
+        <p:spPr bwMode="auto">
+          <a:xfrm>
+            <a:off x="1677760" y="1531074"/>
+            <a:ext cx="4708525" cy="5326926"/>
+          </a:xfrm>
+          <a:prstGeom prst="rect">
+            <a:avLst/>
+          </a:prstGeom>
+          <a:noFill/>
+          <a:ln w="9525">
+            <a:noFill/>
+            <a:miter lim="800000"/>
+            <a:headEnd/>
+            <a:tailEnd/>
+          </a:ln>
+          <a:effectLst/>
+        </p:spPr>
+      </p:pic>
+    </p:spTree>
+  </p:cSld>
+  <p:clrMapOvr>
+    <a:masterClrMapping/>
+  </p:clrMapOvr>
+</p:sld>
+</file>
+
+<file path=ppt/slides/slide52.xml><?xml version="1.0" encoding="utf-8"?>
+<p:sld xmlns:a="http://schemas.openxmlformats.org/drawingml/2006/main" xmlns:r="http://schemas.openxmlformats.org/officeDocument/2006/relationships" xmlns:p="http://schemas.openxmlformats.org/presentationml/2006/main">
+  <p:cSld>
+    <p:spTree>
+      <p:nvGrpSpPr>
+        <p:cNvPr id="1" name=""/>
+        <p:cNvGrpSpPr/>
+        <p:nvPr/>
+      </p:nvGrpSpPr>
+      <p:grpSpPr>
+        <a:xfrm>
+          <a:off x="0" y="0"/>
+          <a:ext cx="0" cy="0"/>
+          <a:chOff x="0" y="0"/>
+          <a:chExt cx="0" cy="0"/>
+        </a:xfrm>
+      </p:grpSpPr>
+      <p:sp>
+        <p:nvSpPr>
+          <p:cNvPr id="2" name="標題 1"/>
+          <p:cNvSpPr>
+            <a:spLocks noGrp="1"/>
+          </p:cNvSpPr>
+          <p:nvPr>
+            <p:ph type="title"/>
+          </p:nvPr>
+        </p:nvSpPr>
+        <p:spPr/>
+        <p:txBody>
+          <a:bodyPr/>
+          <a:lstStyle/>
+          <a:p>
+            <a:endParaRPr lang="zh-TW" altLang="en-US"/>
+          </a:p>
+        </p:txBody>
+      </p:sp>
+      <p:sp>
+        <p:nvSpPr>
+          <p:cNvPr id="3" name="文字版面配置區 2"/>
+          <p:cNvSpPr>
+            <a:spLocks noGrp="1"/>
+          </p:cNvSpPr>
+          <p:nvPr>
+            <p:ph type="body" idx="1"/>
+          </p:nvPr>
+        </p:nvSpPr>
+        <p:spPr/>
+        <p:txBody>
+          <a:bodyPr/>
+          <a:lstStyle/>
+          <a:p>
+            <a:r>
+              <a:rPr lang="zh-TW" altLang="en-US" dirty="0" smtClean="0"/>
+              <a:t>再把</a:t>
+            </a:r>
+            <a:r>
+              <a:rPr lang="en-US" altLang="zh-TW" dirty="0" err="1" smtClean="0"/>
+              <a:t>sk_model.sav放到我們的server去</a:t>
+            </a:r>
+            <a:endParaRPr lang="en-US" altLang="zh-TW" dirty="0" smtClean="0"/>
+          </a:p>
+          <a:p>
+            <a:r>
+              <a:rPr lang="zh-TW" altLang="en-US" dirty="0" smtClean="0"/>
+              <a:t>先點</a:t>
+            </a:r>
+            <a:r>
+              <a:rPr lang="en-US" altLang="zh-TW" dirty="0" err="1" smtClean="0"/>
+              <a:t>pythonanywhere的Web選項</a:t>
+            </a:r>
+            <a:endParaRPr lang="en-US" altLang="zh-TW" dirty="0" smtClean="0"/>
+          </a:p>
+          <a:p>
+            <a:r>
+              <a:rPr lang="zh-TW" altLang="en-US" dirty="0" smtClean="0"/>
+              <a:t>找到</a:t>
+            </a:r>
+            <a:r>
+              <a:rPr lang="en-US" altLang="zh-TW" dirty="0" smtClean="0"/>
+              <a:t>[code]</a:t>
+            </a:r>
+            <a:r>
+              <a:rPr lang="en-US" altLang="zh-TW" dirty="0" err="1" smtClean="0"/>
+              <a:t>的部份，點Go</a:t>
+            </a:r>
+            <a:r>
+              <a:rPr lang="en-US" altLang="zh-TW" dirty="0" smtClean="0"/>
+              <a:t> to directory</a:t>
+            </a:r>
+          </a:p>
+          <a:p>
+            <a:endParaRPr lang="zh-TW" altLang="en-US" dirty="0"/>
+          </a:p>
+        </p:txBody>
+      </p:sp>
+      <p:pic>
+        <p:nvPicPr>
+          <p:cNvPr id="2050" name="Picture 2"/>
+          <p:cNvPicPr>
+            <a:picLocks noChangeAspect="1" noChangeArrowheads="1"/>
+          </p:cNvPicPr>
+          <p:nvPr/>
+        </p:nvPicPr>
+        <p:blipFill>
+          <a:blip r:embed="rId2"/>
+          <a:srcRect/>
+          <a:stretch>
+            <a:fillRect/>
+          </a:stretch>
+        </p:blipFill>
+        <p:spPr bwMode="auto">
+          <a:xfrm>
+            <a:off x="436563" y="3361871"/>
+            <a:ext cx="8066087" cy="3124200"/>
+          </a:xfrm>
+          <a:prstGeom prst="rect">
+            <a:avLst/>
+          </a:prstGeom>
+          <a:noFill/>
+          <a:ln w="9525">
+            <a:noFill/>
+            <a:miter lim="800000"/>
+            <a:headEnd/>
+            <a:tailEnd/>
+          </a:ln>
+          <a:effectLst/>
+        </p:spPr>
+      </p:pic>
+    </p:spTree>
+  </p:cSld>
+  <p:clrMapOvr>
+    <a:masterClrMapping/>
+  </p:clrMapOvr>
+</p:sld>
+</file>
+
+<file path=ppt/slides/slide53.xml><?xml version="1.0" encoding="utf-8"?>
+<p:sld xmlns:a="http://schemas.openxmlformats.org/drawingml/2006/main" xmlns:r="http://schemas.openxmlformats.org/officeDocument/2006/relationships" xmlns:p="http://schemas.openxmlformats.org/presentationml/2006/main">
+  <p:cSld>
+    <p:spTree>
+      <p:nvGrpSpPr>
+        <p:cNvPr id="1" name=""/>
+        <p:cNvGrpSpPr/>
+        <p:nvPr/>
+      </p:nvGrpSpPr>
+      <p:grpSpPr>
+        <a:xfrm>
+          <a:off x="0" y="0"/>
+          <a:ext cx="0" cy="0"/>
+          <a:chOff x="0" y="0"/>
+          <a:chExt cx="0" cy="0"/>
+        </a:xfrm>
+      </p:grpSpPr>
+      <p:sp>
+        <p:nvSpPr>
+          <p:cNvPr id="2" name="標題 1"/>
+          <p:cNvSpPr>
+            <a:spLocks noGrp="1"/>
+          </p:cNvSpPr>
+          <p:nvPr>
+            <p:ph type="title"/>
+          </p:nvPr>
+        </p:nvSpPr>
+        <p:spPr/>
+        <p:txBody>
+          <a:bodyPr/>
+          <a:lstStyle/>
+          <a:p>
+            <a:endParaRPr lang="zh-TW" altLang="en-US"/>
+          </a:p>
+        </p:txBody>
+      </p:sp>
+      <p:sp>
+        <p:nvSpPr>
+          <p:cNvPr id="3" name="文字版面配置區 2"/>
+          <p:cNvSpPr>
+            <a:spLocks noGrp="1"/>
+          </p:cNvSpPr>
+          <p:nvPr>
+            <p:ph type="body" idx="1"/>
+          </p:nvPr>
+        </p:nvSpPr>
+        <p:spPr/>
+        <p:txBody>
+          <a:bodyPr/>
+          <a:lstStyle/>
+          <a:p>
+            <a:r>
+              <a:rPr lang="zh-TW" altLang="en-US" dirty="0" smtClean="0"/>
+              <a:t>點</a:t>
+            </a:r>
+            <a:r>
+              <a:rPr lang="en-US" altLang="zh-TW" dirty="0" smtClean="0"/>
+              <a:t>Upload</a:t>
+            </a:r>
+            <a:r>
+              <a:rPr lang="zh-TW" altLang="en-US" dirty="0" smtClean="0"/>
+              <a:t> </a:t>
+            </a:r>
+            <a:r>
+              <a:rPr lang="en-US" altLang="zh-TW" dirty="0" smtClean="0"/>
+              <a:t>a</a:t>
+            </a:r>
+            <a:r>
+              <a:rPr lang="zh-TW" altLang="en-US" dirty="0" smtClean="0"/>
+              <a:t> </a:t>
+            </a:r>
+            <a:r>
+              <a:rPr lang="en-US" altLang="zh-TW" dirty="0" err="1" smtClean="0"/>
+              <a:t>file把剛剛的model檔上傳</a:t>
+            </a:r>
+            <a:endParaRPr lang="zh-TW" altLang="en-US" dirty="0"/>
+          </a:p>
+        </p:txBody>
+      </p:sp>
+      <p:pic>
+        <p:nvPicPr>
+          <p:cNvPr id="3074" name="Picture 2"/>
+          <p:cNvPicPr>
+            <a:picLocks noChangeAspect="1" noChangeArrowheads="1"/>
+          </p:cNvPicPr>
+          <p:nvPr/>
+        </p:nvPicPr>
+        <p:blipFill>
+          <a:blip r:embed="rId2"/>
+          <a:srcRect/>
+          <a:stretch>
+            <a:fillRect/>
+          </a:stretch>
+        </p:blipFill>
+        <p:spPr bwMode="auto">
+          <a:xfrm>
+            <a:off x="383722" y="2983593"/>
+            <a:ext cx="7504113" cy="3619500"/>
+          </a:xfrm>
+          <a:prstGeom prst="rect">
+            <a:avLst/>
+          </a:prstGeom>
+          <a:noFill/>
+          <a:ln w="9525">
+            <a:noFill/>
+            <a:miter lim="800000"/>
+            <a:headEnd/>
+            <a:tailEnd/>
+          </a:ln>
+          <a:effectLst/>
+        </p:spPr>
+      </p:pic>
+    </p:spTree>
+  </p:cSld>
+  <p:clrMapOvr>
+    <a:masterClrMapping/>
+  </p:clrMapOvr>
+</p:sld>
+</file>
+
+<file path=ppt/slides/slide54.xml><?xml version="1.0" encoding="utf-8"?>
+<p:sld xmlns:a="http://schemas.openxmlformats.org/drawingml/2006/main" xmlns:r="http://schemas.openxmlformats.org/officeDocument/2006/relationships" xmlns:p="http://schemas.openxmlformats.org/presentationml/2006/main">
+  <p:cSld>
+    <p:spTree>
+      <p:nvGrpSpPr>
+        <p:cNvPr id="1" name=""/>
+        <p:cNvGrpSpPr/>
+        <p:nvPr/>
+      </p:nvGrpSpPr>
+      <p:grpSpPr>
+        <a:xfrm>
+          <a:off x="0" y="0"/>
+          <a:ext cx="0" cy="0"/>
+          <a:chOff x="0" y="0"/>
+          <a:chExt cx="0" cy="0"/>
+        </a:xfrm>
+      </p:grpSpPr>
+      <p:sp>
+        <p:nvSpPr>
+          <p:cNvPr id="2" name="標題 1"/>
+          <p:cNvSpPr>
+            <a:spLocks noGrp="1"/>
+          </p:cNvSpPr>
+          <p:nvPr>
+            <p:ph type="title"/>
+          </p:nvPr>
+        </p:nvSpPr>
+        <p:spPr/>
+        <p:txBody>
+          <a:bodyPr/>
+          <a:lstStyle/>
+          <a:p>
+            <a:r>
+              <a:rPr lang="zh-TW" altLang="en-US" dirty="0" smtClean="0"/>
+              <a:t>接下來我們來改程式囉</a:t>
+            </a:r>
+            <a:r>
+              <a:rPr lang="en-US" altLang="zh-TW" dirty="0" smtClean="0"/>
+              <a:t>!</a:t>
+            </a:r>
+            <a:endParaRPr lang="zh-TW" altLang="en-US" dirty="0"/>
+          </a:p>
+        </p:txBody>
+      </p:sp>
+      <p:sp>
+        <p:nvSpPr>
+          <p:cNvPr id="3" name="文字版面配置區 2"/>
+          <p:cNvSpPr>
+            <a:spLocks noGrp="1"/>
+          </p:cNvSpPr>
+          <p:nvPr>
+            <p:ph type="body" idx="1"/>
+          </p:nvPr>
+        </p:nvSpPr>
+        <p:spPr/>
+        <p:txBody>
+          <a:bodyPr/>
+          <a:lstStyle/>
+          <a:p>
+            <a:r>
+              <a:rPr lang="zh-TW" altLang="en-US" dirty="0" smtClean="0"/>
+              <a:t>如同前面</a:t>
+            </a:r>
+            <a:r>
+              <a:rPr lang="en-US" altLang="zh-TW" dirty="0" err="1" smtClean="0"/>
+              <a:t>jupyter的程式，先引入pickle模組</a:t>
+            </a:r>
+            <a:endParaRPr lang="zh-TW" altLang="en-US" dirty="0"/>
+          </a:p>
+        </p:txBody>
+      </p:sp>
+      <p:pic>
+        <p:nvPicPr>
+          <p:cNvPr id="4098" name="Picture 2"/>
+          <p:cNvPicPr>
+            <a:picLocks noChangeAspect="1" noChangeArrowheads="1"/>
+          </p:cNvPicPr>
+          <p:nvPr/>
+        </p:nvPicPr>
+        <p:blipFill>
+          <a:blip r:embed="rId2"/>
+          <a:srcRect/>
+          <a:stretch>
+            <a:fillRect/>
+          </a:stretch>
+        </p:blipFill>
+        <p:spPr bwMode="auto">
+          <a:xfrm>
+            <a:off x="799420" y="2639331"/>
+            <a:ext cx="6094865" cy="2798781"/>
+          </a:xfrm>
+          <a:prstGeom prst="rect">
+            <a:avLst/>
+          </a:prstGeom>
+          <a:noFill/>
+          <a:ln w="9525">
+            <a:noFill/>
+            <a:miter lim="800000"/>
+            <a:headEnd/>
+            <a:tailEnd/>
+          </a:ln>
+          <a:effectLst/>
+        </p:spPr>
+      </p:pic>
+    </p:spTree>
+  </p:cSld>
+  <p:clrMapOvr>
+    <a:masterClrMapping/>
+  </p:clrMapOvr>
+</p:sld>
+</file>
+
+<file path=ppt/slides/slide55.xml><?xml version="1.0" encoding="utf-8"?>
+<p:sld xmlns:a="http://schemas.openxmlformats.org/drawingml/2006/main" xmlns:r="http://schemas.openxmlformats.org/officeDocument/2006/relationships" xmlns:p="http://schemas.openxmlformats.org/presentationml/2006/main">
+  <p:cSld>
+    <p:spTree>
+      <p:nvGrpSpPr>
+        <p:cNvPr id="1" name=""/>
+        <p:cNvGrpSpPr/>
+        <p:nvPr/>
+      </p:nvGrpSpPr>
+      <p:grpSpPr>
+        <a:xfrm>
+          <a:off x="0" y="0"/>
+          <a:ext cx="0" cy="0"/>
+          <a:chOff x="0" y="0"/>
+          <a:chExt cx="0" cy="0"/>
+        </a:xfrm>
+      </p:grpSpPr>
+      <p:sp>
+        <p:nvSpPr>
+          <p:cNvPr id="2" name="標題 1"/>
+          <p:cNvSpPr>
+            <a:spLocks noGrp="1"/>
+          </p:cNvSpPr>
+          <p:nvPr>
+            <p:ph type="title"/>
+          </p:nvPr>
+        </p:nvSpPr>
+        <p:spPr/>
+        <p:txBody>
+          <a:bodyPr/>
+          <a:lstStyle/>
+          <a:p>
+            <a:endParaRPr lang="zh-TW" altLang="en-US"/>
+          </a:p>
+        </p:txBody>
+      </p:sp>
+      <p:sp>
+        <p:nvSpPr>
+          <p:cNvPr id="3" name="文字版面配置區 2"/>
+          <p:cNvSpPr>
+            <a:spLocks noGrp="1"/>
+          </p:cNvSpPr>
+          <p:nvPr>
+            <p:ph type="body" idx="1"/>
+          </p:nvPr>
+        </p:nvSpPr>
+        <p:spPr/>
+        <p:txBody>
+          <a:bodyPr/>
+          <a:lstStyle/>
+          <a:p>
+            <a:r>
+              <a:rPr lang="zh-TW" altLang="en-US" dirty="0" smtClean="0"/>
+              <a:t>建立一個新的</a:t>
+            </a:r>
+            <a:r>
+              <a:rPr lang="en-US" altLang="zh-TW" dirty="0" err="1" smtClean="0"/>
+              <a:t>API跟之前的有所區隔</a:t>
+            </a:r>
+            <a:endParaRPr lang="zh-TW" altLang="en-US" dirty="0"/>
+          </a:p>
+        </p:txBody>
+      </p:sp>
+      <p:pic>
+        <p:nvPicPr>
+          <p:cNvPr id="5122" name="Picture 2"/>
+          <p:cNvPicPr>
+            <a:picLocks noChangeAspect="1" noChangeArrowheads="1"/>
+          </p:cNvPicPr>
+          <p:nvPr/>
+        </p:nvPicPr>
+        <p:blipFill>
+          <a:blip r:embed="rId2"/>
+          <a:srcRect/>
+          <a:stretch>
+            <a:fillRect/>
+          </a:stretch>
+        </p:blipFill>
+        <p:spPr bwMode="auto">
+          <a:xfrm>
+            <a:off x="1050017" y="2616880"/>
+            <a:ext cx="6006527" cy="3537177"/>
+          </a:xfrm>
+          <a:prstGeom prst="rect">
+            <a:avLst/>
+          </a:prstGeom>
+          <a:noFill/>
+          <a:ln w="9525">
+            <a:noFill/>
+            <a:miter lim="800000"/>
+            <a:headEnd/>
+            <a:tailEnd/>
+          </a:ln>
+          <a:effectLst/>
+        </p:spPr>
+      </p:pic>
+    </p:spTree>
+  </p:cSld>
+  <p:clrMapOvr>
+    <a:masterClrMapping/>
+  </p:clrMapOvr>
+</p:sld>
+</file>
+
+<file path=ppt/slides/slide56.xml><?xml version="1.0" encoding="utf-8"?>
+<p:sld xmlns:a="http://schemas.openxmlformats.org/drawingml/2006/main" xmlns:r="http://schemas.openxmlformats.org/officeDocument/2006/relationships" xmlns:p="http://schemas.openxmlformats.org/presentationml/2006/main">
+  <p:cSld>
+    <p:spTree>
+      <p:nvGrpSpPr>
+        <p:cNvPr id="1" name=""/>
+        <p:cNvGrpSpPr/>
+        <p:nvPr/>
+      </p:nvGrpSpPr>
+      <p:grpSpPr>
+        <a:xfrm>
+          <a:off x="0" y="0"/>
+          <a:ext cx="0" cy="0"/>
+          <a:chOff x="0" y="0"/>
+          <a:chExt cx="0" cy="0"/>
+        </a:xfrm>
+      </p:grpSpPr>
+      <p:sp>
+        <p:nvSpPr>
+          <p:cNvPr id="2" name="標題 1"/>
+          <p:cNvSpPr>
+            <a:spLocks noGrp="1"/>
+          </p:cNvSpPr>
+          <p:nvPr>
+            <p:ph type="title"/>
+          </p:nvPr>
+        </p:nvSpPr>
+        <p:spPr/>
+        <p:txBody>
+          <a:bodyPr/>
+          <a:lstStyle/>
+          <a:p>
+            <a:endParaRPr lang="zh-TW" altLang="en-US"/>
+          </a:p>
+        </p:txBody>
+      </p:sp>
+      <p:sp>
+        <p:nvSpPr>
+          <p:cNvPr id="3" name="文字版面配置區 2"/>
+          <p:cNvSpPr>
+            <a:spLocks noGrp="1"/>
+          </p:cNvSpPr>
+          <p:nvPr>
+            <p:ph type="body" idx="1"/>
+          </p:nvPr>
+        </p:nvSpPr>
+        <p:spPr/>
+        <p:txBody>
+          <a:bodyPr/>
+          <a:lstStyle/>
+          <a:p>
+            <a:r>
+              <a:rPr lang="zh-TW" altLang="en-US" dirty="0" smtClean="0"/>
+              <a:t>如果正常就好，如果很不幸的你失敗了，有可能是因為平台不同，在組</a:t>
+            </a:r>
+            <a:r>
+              <a:rPr lang="en-US" altLang="zh-TW" dirty="0" err="1" smtClean="0"/>
+              <a:t>pickle的方式有所差異</a:t>
+            </a:r>
+            <a:r>
+              <a:rPr lang="en-US" altLang="zh-TW" dirty="0" smtClean="0"/>
+              <a:t>?</a:t>
+            </a:r>
+          </a:p>
+          <a:p>
+            <a:r>
+              <a:rPr lang="zh-TW" altLang="en-US" dirty="0" smtClean="0"/>
+              <a:t>我們就要來試其它的式</a:t>
+            </a:r>
+            <a:endParaRPr lang="zh-TW" altLang="en-US" dirty="0"/>
+          </a:p>
+        </p:txBody>
+      </p:sp>
+      <p:pic>
+        <p:nvPicPr>
+          <p:cNvPr id="6146" name="Picture 2"/>
+          <p:cNvPicPr>
+            <a:picLocks noChangeAspect="1" noChangeArrowheads="1"/>
+          </p:cNvPicPr>
+          <p:nvPr/>
+        </p:nvPicPr>
+        <p:blipFill>
+          <a:blip r:embed="rId2"/>
+          <a:srcRect/>
+          <a:stretch>
+            <a:fillRect/>
+          </a:stretch>
+        </p:blipFill>
+        <p:spPr bwMode="auto">
+          <a:xfrm>
+            <a:off x="1033463" y="3399745"/>
+            <a:ext cx="5857875" cy="1800225"/>
+          </a:xfrm>
+          <a:prstGeom prst="rect">
+            <a:avLst/>
+          </a:prstGeom>
+          <a:noFill/>
+          <a:ln w="9525">
+            <a:noFill/>
+            <a:miter lim="800000"/>
+            <a:headEnd/>
+            <a:tailEnd/>
+          </a:ln>
+          <a:effectLst/>
+        </p:spPr>
+      </p:pic>
+    </p:spTree>
+  </p:cSld>
+  <p:clrMapOvr>
+    <a:masterClrMapping/>
+  </p:clrMapOvr>
+</p:sld>
+</file>
+
+<file path=ppt/slides/slide57.xml><?xml version="1.0" encoding="utf-8"?>
+<p:sld xmlns:a="http://schemas.openxmlformats.org/drawingml/2006/main" xmlns:r="http://schemas.openxmlformats.org/officeDocument/2006/relationships" xmlns:p="http://schemas.openxmlformats.org/presentationml/2006/main">
+  <p:cSld>
+    <p:spTree>
+      <p:nvGrpSpPr>
+        <p:cNvPr id="1" name=""/>
+        <p:cNvGrpSpPr/>
+        <p:nvPr/>
+      </p:nvGrpSpPr>
+      <p:grpSpPr>
+        <a:xfrm>
+          <a:off x="0" y="0"/>
+          <a:ext cx="0" cy="0"/>
+          <a:chOff x="0" y="0"/>
+          <a:chExt cx="0" cy="0"/>
+        </a:xfrm>
+      </p:grpSpPr>
+      <p:sp>
+        <p:nvSpPr>
+          <p:cNvPr id="2" name="標題 1"/>
+          <p:cNvSpPr>
+            <a:spLocks noGrp="1"/>
+          </p:cNvSpPr>
+          <p:nvPr>
+            <p:ph type="title"/>
+          </p:nvPr>
+        </p:nvSpPr>
+        <p:spPr/>
+        <p:txBody>
+          <a:bodyPr/>
+          <a:lstStyle/>
+          <a:p>
+            <a:r>
+              <a:rPr lang="zh-TW" altLang="en-US" dirty="0" smtClean="0"/>
+              <a:t>另一個保存的方式</a:t>
+            </a:r>
+            <a:r>
+              <a:rPr lang="en-US" altLang="zh-TW" dirty="0" smtClean="0"/>
+              <a:t>: </a:t>
+            </a:r>
+            <a:r>
+              <a:rPr lang="en-US" altLang="zh-TW" dirty="0" err="1" smtClean="0"/>
+              <a:t>joblib</a:t>
+            </a:r>
+            <a:endParaRPr lang="zh-TW" altLang="en-US" dirty="0"/>
+          </a:p>
+        </p:txBody>
+      </p:sp>
+      <p:sp>
+        <p:nvSpPr>
+          <p:cNvPr id="3" name="文字版面配置區 2"/>
+          <p:cNvSpPr>
+            <a:spLocks noGrp="1"/>
+          </p:cNvSpPr>
+          <p:nvPr>
+            <p:ph type="body" idx="1"/>
+          </p:nvPr>
+        </p:nvSpPr>
+        <p:spPr/>
+        <p:txBody>
+          <a:bodyPr/>
+          <a:lstStyle/>
+          <a:p>
+            <a:r>
+              <a:rPr lang="zh-TW" altLang="en-US" dirty="0" smtClean="0"/>
+              <a:t>使用</a:t>
+            </a:r>
+            <a:r>
+              <a:rPr lang="en-US" altLang="zh-TW" dirty="0" err="1" smtClean="0"/>
+              <a:t>joblib</a:t>
+            </a:r>
+            <a:endParaRPr lang="zh-TW" altLang="en-US" dirty="0"/>
+          </a:p>
+        </p:txBody>
+      </p:sp>
+      <p:pic>
+        <p:nvPicPr>
+          <p:cNvPr id="7171" name="Picture 3"/>
+          <p:cNvPicPr>
+            <a:picLocks noChangeAspect="1" noChangeArrowheads="1"/>
+          </p:cNvPicPr>
+          <p:nvPr/>
+        </p:nvPicPr>
+        <p:blipFill>
+          <a:blip r:embed="rId2"/>
+          <a:srcRect/>
+          <a:stretch>
+            <a:fillRect/>
+          </a:stretch>
+        </p:blipFill>
+        <p:spPr bwMode="auto">
+          <a:xfrm>
+            <a:off x="1414688" y="2362881"/>
+            <a:ext cx="4782911" cy="4105562"/>
+          </a:xfrm>
+          <a:prstGeom prst="rect">
+            <a:avLst/>
+          </a:prstGeom>
+          <a:noFill/>
+          <a:ln w="9525">
+            <a:noFill/>
+            <a:miter lim="800000"/>
+            <a:headEnd/>
+            <a:tailEnd/>
+          </a:ln>
+          <a:effectLst/>
+        </p:spPr>
+      </p:pic>
+    </p:spTree>
+  </p:cSld>
+  <p:clrMapOvr>
+    <a:masterClrMapping/>
+  </p:clrMapOvr>
+</p:sld>
+</file>
+
+<file path=ppt/slides/slide58.xml><?xml version="1.0" encoding="utf-8"?>
+<p:sld xmlns:a="http://schemas.openxmlformats.org/drawingml/2006/main" xmlns:r="http://schemas.openxmlformats.org/officeDocument/2006/relationships" xmlns:p="http://schemas.openxmlformats.org/presentationml/2006/main">
+  <p:cSld>
+    <p:spTree>
+      <p:nvGrpSpPr>
+        <p:cNvPr id="1" name=""/>
+        <p:cNvGrpSpPr/>
+        <p:nvPr/>
+      </p:nvGrpSpPr>
+      <p:grpSpPr>
+        <a:xfrm>
+          <a:off x="0" y="0"/>
+          <a:ext cx="0" cy="0"/>
+          <a:chOff x="0" y="0"/>
+          <a:chExt cx="0" cy="0"/>
+        </a:xfrm>
+      </p:grpSpPr>
+      <p:sp>
+        <p:nvSpPr>
+          <p:cNvPr id="2" name="標題 1"/>
+          <p:cNvSpPr>
+            <a:spLocks noGrp="1"/>
+          </p:cNvSpPr>
+          <p:nvPr>
+            <p:ph type="title"/>
+          </p:nvPr>
+        </p:nvSpPr>
+        <p:spPr/>
+        <p:txBody>
+          <a:bodyPr/>
+          <a:lstStyle/>
+          <a:p>
+            <a:endParaRPr lang="zh-TW" altLang="en-US"/>
+          </a:p>
+        </p:txBody>
+      </p:sp>
+      <p:sp>
+        <p:nvSpPr>
+          <p:cNvPr id="3" name="文字版面配置區 2"/>
+          <p:cNvSpPr>
+            <a:spLocks noGrp="1"/>
+          </p:cNvSpPr>
+          <p:nvPr>
+            <p:ph type="body" idx="1"/>
+          </p:nvPr>
+        </p:nvSpPr>
+        <p:spPr/>
+        <p:txBody>
+          <a:bodyPr/>
+          <a:lstStyle/>
+          <a:p>
+            <a:r>
+              <a:rPr lang="zh-TW" altLang="en-US" dirty="0" smtClean="0"/>
+              <a:t>和前面</a:t>
+            </a:r>
+            <a:r>
+              <a:rPr lang="en-US" altLang="zh-TW" dirty="0" err="1" smtClean="0"/>
+              <a:t>predict的數值一樣</a:t>
+            </a:r>
+            <a:r>
+              <a:rPr lang="en-US" altLang="zh-TW" dirty="0" smtClean="0"/>
+              <a:t>!!</a:t>
+            </a:r>
+            <a:r>
+              <a:rPr lang="zh-TW" altLang="en-US" dirty="0" smtClean="0"/>
+              <a:t> 收工</a:t>
+            </a:r>
+            <a:r>
+              <a:rPr lang="en-US" altLang="zh-TW" dirty="0" smtClean="0"/>
+              <a:t>!!</a:t>
+            </a:r>
+            <a:endParaRPr lang="zh-TW" altLang="en-US" dirty="0"/>
+          </a:p>
+        </p:txBody>
+      </p:sp>
+      <p:pic>
+        <p:nvPicPr>
+          <p:cNvPr id="8194" name="Picture 2"/>
+          <p:cNvPicPr>
+            <a:picLocks noChangeAspect="1" noChangeArrowheads="1"/>
+          </p:cNvPicPr>
+          <p:nvPr/>
+        </p:nvPicPr>
+        <p:blipFill>
+          <a:blip r:embed="rId2"/>
+          <a:srcRect/>
+          <a:stretch>
+            <a:fillRect/>
+          </a:stretch>
+        </p:blipFill>
+        <p:spPr bwMode="auto">
+          <a:xfrm>
+            <a:off x="722992" y="2442482"/>
+            <a:ext cx="5753100" cy="1276350"/>
+          </a:xfrm>
+          <a:prstGeom prst="rect">
+            <a:avLst/>
+          </a:prstGeom>
+          <a:noFill/>
+          <a:ln w="9525">
+            <a:noFill/>
+            <a:miter lim="800000"/>
+            <a:headEnd/>
+            <a:tailEnd/>
+          </a:ln>
+          <a:effectLst/>
+        </p:spPr>
+      </p:pic>
+      <p:pic>
+        <p:nvPicPr>
+          <p:cNvPr id="8195" name="Picture 3"/>
+          <p:cNvPicPr>
+            <a:picLocks noChangeAspect="1" noChangeArrowheads="1"/>
+          </p:cNvPicPr>
+          <p:nvPr/>
+        </p:nvPicPr>
+        <p:blipFill>
+          <a:blip r:embed="rId3"/>
+          <a:srcRect/>
+          <a:stretch>
+            <a:fillRect/>
+          </a:stretch>
+        </p:blipFill>
+        <p:spPr bwMode="auto">
+          <a:xfrm>
+            <a:off x="605746" y="3575957"/>
+            <a:ext cx="5610225" cy="838200"/>
+          </a:xfrm>
+          <a:prstGeom prst="rect">
+            <a:avLst/>
+          </a:prstGeom>
+          <a:noFill/>
+          <a:ln w="9525">
+            <a:noFill/>
+            <a:miter lim="800000"/>
+            <a:headEnd/>
+            <a:tailEnd/>
+          </a:ln>
+          <a:effectLst/>
+        </p:spPr>
+      </p:pic>
+      <p:pic>
+        <p:nvPicPr>
+          <p:cNvPr id="8196" name="Picture 4"/>
+          <p:cNvPicPr>
+            <a:picLocks noChangeAspect="1" noChangeArrowheads="1"/>
+          </p:cNvPicPr>
+          <p:nvPr/>
+        </p:nvPicPr>
+        <p:blipFill>
+          <a:blip r:embed="rId4"/>
+          <a:srcRect/>
+          <a:stretch>
+            <a:fillRect/>
+          </a:stretch>
+        </p:blipFill>
+        <p:spPr bwMode="auto">
+          <a:xfrm>
+            <a:off x="769257" y="4596947"/>
+            <a:ext cx="5486400" cy="857250"/>
+          </a:xfrm>
+          <a:prstGeom prst="rect">
+            <a:avLst/>
+          </a:prstGeom>
+          <a:noFill/>
+          <a:ln w="9525">
+            <a:noFill/>
+            <a:miter lim="800000"/>
+            <a:headEnd/>
+            <a:tailEnd/>
+          </a:ln>
+          <a:effectLst/>
+        </p:spPr>
+      </p:pic>
+    </p:spTree>
+  </p:cSld>
+  <p:clrMapOvr>
+    <a:masterClrMapping/>
+  </p:clrMapOvr>
+</p:sld>
+</file>
+
+<file path=ppt/slides/slide59.xml><?xml version="1.0" encoding="utf-8"?>
+<p:sld xmlns:a="http://schemas.openxmlformats.org/drawingml/2006/main" xmlns:r="http://schemas.openxmlformats.org/officeDocument/2006/relationships" xmlns:p="http://schemas.openxmlformats.org/presentationml/2006/main">
+  <p:cSld>
+    <p:spTree>
+      <p:nvGrpSpPr>
+        <p:cNvPr id="1" name=""/>
+        <p:cNvGrpSpPr/>
+        <p:nvPr/>
+      </p:nvGrpSpPr>
+      <p:grpSpPr>
+        <a:xfrm>
+          <a:off x="0" y="0"/>
+          <a:ext cx="0" cy="0"/>
+          <a:chOff x="0" y="0"/>
+          <a:chExt cx="0" cy="0"/>
+        </a:xfrm>
+      </p:grpSpPr>
+      <p:sp>
+        <p:nvSpPr>
+          <p:cNvPr id="2" name="標題 1"/>
+          <p:cNvSpPr>
+            <a:spLocks noGrp="1"/>
+          </p:cNvSpPr>
+          <p:nvPr>
+            <p:ph type="ctrTitle"/>
+          </p:nvPr>
+        </p:nvSpPr>
+        <p:spPr/>
+        <p:txBody>
+          <a:bodyPr/>
+          <a:lstStyle/>
+          <a:p>
+            <a:r>
+              <a:rPr lang="zh-TW" altLang="en-US" dirty="0" smtClean="0"/>
+              <a:t>安裝</a:t>
+            </a:r>
+            <a:r>
+              <a:rPr lang="en-US" altLang="zh-TW" dirty="0" smtClean="0"/>
+              <a:t>modules</a:t>
+            </a:r>
+            <a:endParaRPr lang="zh-TW" altLang="en-US" dirty="0"/>
+          </a:p>
+        </p:txBody>
+      </p:sp>
+      <p:sp>
+        <p:nvSpPr>
+          <p:cNvPr id="3" name="副標題 2"/>
+          <p:cNvSpPr>
+            <a:spLocks noGrp="1"/>
+          </p:cNvSpPr>
+          <p:nvPr>
+            <p:ph type="subTitle" idx="1"/>
+          </p:nvPr>
+        </p:nvSpPr>
+        <p:spPr/>
+        <p:txBody>
+          <a:bodyPr/>
+          <a:lstStyle/>
+          <a:p>
+            <a:endParaRPr lang="zh-TW" altLang="en-US"/>
+          </a:p>
+        </p:txBody>
+      </p:sp>
+    </p:spTree>
+  </p:cSld>
+  <p:clrMapOvr>
+    <a:masterClrMapping/>
+  </p:clrMapOvr>
+</p:sld>
+</file>
+
 <file path=ppt/slides/slide6.xml><?xml version="1.0" encoding="utf-8"?>
 <p:sld xmlns:a="http://schemas.openxmlformats.org/drawingml/2006/main" xmlns:r="http://schemas.openxmlformats.org/officeDocument/2006/relationships" xmlns:p="http://schemas.openxmlformats.org/presentationml/2006/main">
   <p:cSld>
@@ -14341,6 +16153,823 @@
           <a:xfrm>
             <a:off x="592365" y="2505075"/>
             <a:ext cx="7580313" cy="4352925"/>
+          </a:xfrm>
+          <a:prstGeom prst="rect">
+            <a:avLst/>
+          </a:prstGeom>
+          <a:noFill/>
+          <a:ln w="9525">
+            <a:noFill/>
+            <a:miter lim="800000"/>
+            <a:headEnd/>
+            <a:tailEnd/>
+          </a:ln>
+          <a:effectLst/>
+        </p:spPr>
+      </p:pic>
+    </p:spTree>
+  </p:cSld>
+  <p:clrMapOvr>
+    <a:masterClrMapping/>
+  </p:clrMapOvr>
+</p:sld>
+</file>
+
+<file path=ppt/slides/slide60.xml><?xml version="1.0" encoding="utf-8"?>
+<p:sld xmlns:a="http://schemas.openxmlformats.org/drawingml/2006/main" xmlns:r="http://schemas.openxmlformats.org/officeDocument/2006/relationships" xmlns:p="http://schemas.openxmlformats.org/presentationml/2006/main">
+  <p:cSld>
+    <p:spTree>
+      <p:nvGrpSpPr>
+        <p:cNvPr id="1" name=""/>
+        <p:cNvGrpSpPr/>
+        <p:nvPr/>
+      </p:nvGrpSpPr>
+      <p:grpSpPr>
+        <a:xfrm>
+          <a:off x="0" y="0"/>
+          <a:ext cx="0" cy="0"/>
+          <a:chOff x="0" y="0"/>
+          <a:chExt cx="0" cy="0"/>
+        </a:xfrm>
+      </p:grpSpPr>
+      <p:sp>
+        <p:nvSpPr>
+          <p:cNvPr id="2" name="標題 1"/>
+          <p:cNvSpPr>
+            <a:spLocks noGrp="1"/>
+          </p:cNvSpPr>
+          <p:nvPr>
+            <p:ph type="title"/>
+          </p:nvPr>
+        </p:nvSpPr>
+        <p:spPr/>
+        <p:txBody>
+          <a:bodyPr/>
+          <a:lstStyle/>
+          <a:p>
+            <a:endParaRPr lang="zh-TW" altLang="en-US"/>
+          </a:p>
+        </p:txBody>
+      </p:sp>
+      <p:sp>
+        <p:nvSpPr>
+          <p:cNvPr id="3" name="文字版面配置區 2"/>
+          <p:cNvSpPr>
+            <a:spLocks noGrp="1"/>
+          </p:cNvSpPr>
+          <p:nvPr>
+            <p:ph type="body" idx="1"/>
+          </p:nvPr>
+        </p:nvSpPr>
+        <p:spPr/>
+        <p:txBody>
+          <a:bodyPr/>
+          <a:lstStyle/>
+          <a:p>
+            <a:r>
+              <a:rPr lang="en-US" altLang="zh-TW" dirty="0" smtClean="0">
+                <a:hlinkClick r:id="rId2"/>
+              </a:rPr>
+              <a:t>https://help.pythonanywhere.com/pages/InstallingNewModules/</a:t>
+            </a:r>
+            <a:endParaRPr lang="en-US" altLang="zh-TW" dirty="0" smtClean="0"/>
+          </a:p>
+          <a:p>
+            <a:r>
+              <a:rPr lang="zh-TW" altLang="en-US" dirty="0" smtClean="0"/>
+              <a:t>比如說我在後面的</a:t>
+            </a:r>
+            <a:r>
+              <a:rPr lang="en-US" altLang="zh-TW" dirty="0" err="1" smtClean="0"/>
+              <a:t>demo會用到pymysql，我想要安裝，可以下指令如下</a:t>
+            </a:r>
+            <a:endParaRPr lang="en-US" altLang="zh-TW" dirty="0" smtClean="0"/>
+          </a:p>
+          <a:p>
+            <a:endParaRPr lang="zh-TW" altLang="en-US" dirty="0"/>
+          </a:p>
+        </p:txBody>
+      </p:sp>
+      <p:pic>
+        <p:nvPicPr>
+          <p:cNvPr id="4098" name="Picture 2"/>
+          <p:cNvPicPr>
+            <a:picLocks noChangeAspect="1" noChangeArrowheads="1"/>
+          </p:cNvPicPr>
+          <p:nvPr/>
+        </p:nvPicPr>
+        <p:blipFill>
+          <a:blip r:embed="rId3"/>
+          <a:srcRect/>
+          <a:stretch>
+            <a:fillRect/>
+          </a:stretch>
+        </p:blipFill>
+        <p:spPr bwMode="auto">
+          <a:xfrm>
+            <a:off x="0" y="4581525"/>
+            <a:ext cx="9363075" cy="2276475"/>
+          </a:xfrm>
+          <a:prstGeom prst="rect">
+            <a:avLst/>
+          </a:prstGeom>
+          <a:noFill/>
+          <a:ln w="9525">
+            <a:noFill/>
+            <a:miter lim="800000"/>
+            <a:headEnd/>
+            <a:tailEnd/>
+          </a:ln>
+          <a:effectLst/>
+        </p:spPr>
+      </p:pic>
+    </p:spTree>
+  </p:cSld>
+  <p:clrMapOvr>
+    <a:masterClrMapping/>
+  </p:clrMapOvr>
+</p:sld>
+</file>
+
+<file path=ppt/slides/slide61.xml><?xml version="1.0" encoding="utf-8"?>
+<p:sld xmlns:a="http://schemas.openxmlformats.org/drawingml/2006/main" xmlns:r="http://schemas.openxmlformats.org/officeDocument/2006/relationships" xmlns:p="http://schemas.openxmlformats.org/presentationml/2006/main">
+  <p:cSld>
+    <p:spTree>
+      <p:nvGrpSpPr>
+        <p:cNvPr id="1" name=""/>
+        <p:cNvGrpSpPr/>
+        <p:nvPr/>
+      </p:nvGrpSpPr>
+      <p:grpSpPr>
+        <a:xfrm>
+          <a:off x="0" y="0"/>
+          <a:ext cx="0" cy="0"/>
+          <a:chOff x="0" y="0"/>
+          <a:chExt cx="0" cy="0"/>
+        </a:xfrm>
+      </p:grpSpPr>
+      <p:sp>
+        <p:nvSpPr>
+          <p:cNvPr id="2" name="標題 1"/>
+          <p:cNvSpPr>
+            <a:spLocks noGrp="1"/>
+          </p:cNvSpPr>
+          <p:nvPr>
+            <p:ph type="title"/>
+          </p:nvPr>
+        </p:nvSpPr>
+        <p:spPr/>
+        <p:txBody>
+          <a:bodyPr/>
+          <a:lstStyle/>
+          <a:p>
+            <a:r>
+              <a:rPr lang="zh-TW" altLang="en-US" dirty="0" smtClean="0"/>
+              <a:t>建立</a:t>
+            </a:r>
+            <a:r>
+              <a:rPr lang="en-US" altLang="zh-TW" dirty="0" err="1" smtClean="0"/>
+              <a:t>MySQL資料庫</a:t>
+            </a:r>
+            <a:endParaRPr lang="zh-TW" altLang="en-US" dirty="0"/>
+          </a:p>
+        </p:txBody>
+      </p:sp>
+      <p:sp>
+        <p:nvSpPr>
+          <p:cNvPr id="3" name="文字版面配置區 2"/>
+          <p:cNvSpPr>
+            <a:spLocks noGrp="1"/>
+          </p:cNvSpPr>
+          <p:nvPr>
+            <p:ph type="body" idx="1"/>
+          </p:nvPr>
+        </p:nvSpPr>
+        <p:spPr/>
+        <p:txBody>
+          <a:bodyPr/>
+          <a:lstStyle/>
+          <a:p>
+            <a:r>
+              <a:rPr lang="zh-TW" altLang="en-US" dirty="0" smtClean="0"/>
+              <a:t>點一下右上角的 </a:t>
+            </a:r>
+            <a:r>
+              <a:rPr lang="en-US" altLang="zh-TW" dirty="0" err="1" smtClean="0"/>
+              <a:t>database的項目，可以看到這個畫面</a:t>
+            </a:r>
+            <a:endParaRPr lang="zh-TW" altLang="en-US" dirty="0"/>
+          </a:p>
+        </p:txBody>
+      </p:sp>
+      <p:pic>
+        <p:nvPicPr>
+          <p:cNvPr id="1026" name="Picture 2"/>
+          <p:cNvPicPr>
+            <a:picLocks noChangeAspect="1" noChangeArrowheads="1"/>
+          </p:cNvPicPr>
+          <p:nvPr/>
+        </p:nvPicPr>
+        <p:blipFill>
+          <a:blip r:embed="rId2"/>
+          <a:srcRect/>
+          <a:stretch>
+            <a:fillRect/>
+          </a:stretch>
+        </p:blipFill>
+        <p:spPr bwMode="auto">
+          <a:xfrm>
+            <a:off x="1030514" y="2112759"/>
+            <a:ext cx="6879772" cy="4502579"/>
+          </a:xfrm>
+          <a:prstGeom prst="rect">
+            <a:avLst/>
+          </a:prstGeom>
+          <a:noFill/>
+          <a:ln w="9525">
+            <a:noFill/>
+            <a:miter lim="800000"/>
+            <a:headEnd/>
+            <a:tailEnd/>
+          </a:ln>
+          <a:effectLst/>
+        </p:spPr>
+      </p:pic>
+    </p:spTree>
+  </p:cSld>
+  <p:clrMapOvr>
+    <a:masterClrMapping/>
+  </p:clrMapOvr>
+</p:sld>
+</file>
+
+<file path=ppt/slides/slide62.xml><?xml version="1.0" encoding="utf-8"?>
+<p:sld xmlns:a="http://schemas.openxmlformats.org/drawingml/2006/main" xmlns:r="http://schemas.openxmlformats.org/officeDocument/2006/relationships" xmlns:p="http://schemas.openxmlformats.org/presentationml/2006/main">
+  <p:cSld>
+    <p:spTree>
+      <p:nvGrpSpPr>
+        <p:cNvPr id="1" name=""/>
+        <p:cNvGrpSpPr/>
+        <p:nvPr/>
+      </p:nvGrpSpPr>
+      <p:grpSpPr>
+        <a:xfrm>
+          <a:off x="0" y="0"/>
+          <a:ext cx="0" cy="0"/>
+          <a:chOff x="0" y="0"/>
+          <a:chExt cx="0" cy="0"/>
+        </a:xfrm>
+      </p:grpSpPr>
+      <p:sp>
+        <p:nvSpPr>
+          <p:cNvPr id="2" name="標題 1"/>
+          <p:cNvSpPr>
+            <a:spLocks noGrp="1"/>
+          </p:cNvSpPr>
+          <p:nvPr>
+            <p:ph type="title"/>
+          </p:nvPr>
+        </p:nvSpPr>
+        <p:spPr/>
+        <p:txBody>
+          <a:bodyPr/>
+          <a:lstStyle/>
+          <a:p>
+            <a:endParaRPr lang="zh-TW" altLang="en-US" dirty="0"/>
+          </a:p>
+        </p:txBody>
+      </p:sp>
+      <p:sp>
+        <p:nvSpPr>
+          <p:cNvPr id="3" name="文字版面配置區 2"/>
+          <p:cNvSpPr>
+            <a:spLocks noGrp="1"/>
+          </p:cNvSpPr>
+          <p:nvPr>
+            <p:ph type="body" idx="1"/>
+          </p:nvPr>
+        </p:nvSpPr>
+        <p:spPr/>
+        <p:txBody>
+          <a:bodyPr/>
+          <a:lstStyle/>
+          <a:p>
+            <a:r>
+              <a:rPr lang="zh-TW" altLang="en-US" dirty="0" smtClean="0"/>
+              <a:t>過不到</a:t>
+            </a:r>
+            <a:r>
+              <a:rPr lang="en-US" altLang="zh-TW" dirty="0" smtClean="0"/>
+              <a:t>1分鐘就初始化完成，會請您建立一個新的database</a:t>
+            </a:r>
+            <a:endParaRPr lang="zh-TW" altLang="en-US" dirty="0"/>
+          </a:p>
+        </p:txBody>
+      </p:sp>
+      <p:pic>
+        <p:nvPicPr>
+          <p:cNvPr id="2050" name="Picture 2"/>
+          <p:cNvPicPr>
+            <a:picLocks noChangeAspect="1" noChangeArrowheads="1"/>
+          </p:cNvPicPr>
+          <p:nvPr/>
+        </p:nvPicPr>
+        <p:blipFill>
+          <a:blip r:embed="rId2"/>
+          <a:srcRect/>
+          <a:stretch>
+            <a:fillRect/>
+          </a:stretch>
+        </p:blipFill>
+        <p:spPr bwMode="auto">
+          <a:xfrm>
+            <a:off x="0" y="2468310"/>
+            <a:ext cx="8273143" cy="4389690"/>
+          </a:xfrm>
+          <a:prstGeom prst="rect">
+            <a:avLst/>
+          </a:prstGeom>
+          <a:noFill/>
+          <a:ln w="9525">
+            <a:noFill/>
+            <a:miter lim="800000"/>
+            <a:headEnd/>
+            <a:tailEnd/>
+          </a:ln>
+          <a:effectLst/>
+        </p:spPr>
+      </p:pic>
+    </p:spTree>
+  </p:cSld>
+  <p:clrMapOvr>
+    <a:masterClrMapping/>
+  </p:clrMapOvr>
+</p:sld>
+</file>
+
+<file path=ppt/slides/slide63.xml><?xml version="1.0" encoding="utf-8"?>
+<p:sld xmlns:a="http://schemas.openxmlformats.org/drawingml/2006/main" xmlns:r="http://schemas.openxmlformats.org/officeDocument/2006/relationships" xmlns:p="http://schemas.openxmlformats.org/presentationml/2006/main">
+  <p:cSld>
+    <p:spTree>
+      <p:nvGrpSpPr>
+        <p:cNvPr id="1" name=""/>
+        <p:cNvGrpSpPr/>
+        <p:nvPr/>
+      </p:nvGrpSpPr>
+      <p:grpSpPr>
+        <a:xfrm>
+          <a:off x="0" y="0"/>
+          <a:ext cx="0" cy="0"/>
+          <a:chOff x="0" y="0"/>
+          <a:chExt cx="0" cy="0"/>
+        </a:xfrm>
+      </p:grpSpPr>
+      <p:sp>
+        <p:nvSpPr>
+          <p:cNvPr id="2" name="標題 1"/>
+          <p:cNvSpPr>
+            <a:spLocks noGrp="1"/>
+          </p:cNvSpPr>
+          <p:nvPr>
+            <p:ph type="title"/>
+          </p:nvPr>
+        </p:nvSpPr>
+        <p:spPr/>
+        <p:txBody>
+          <a:bodyPr/>
+          <a:lstStyle/>
+          <a:p>
+            <a:endParaRPr lang="zh-TW" altLang="en-US"/>
+          </a:p>
+        </p:txBody>
+      </p:sp>
+      <p:sp>
+        <p:nvSpPr>
+          <p:cNvPr id="3" name="文字版面配置區 2"/>
+          <p:cNvSpPr>
+            <a:spLocks noGrp="1"/>
+          </p:cNvSpPr>
+          <p:nvPr>
+            <p:ph type="body" idx="1"/>
+          </p:nvPr>
+        </p:nvSpPr>
+        <p:spPr/>
+        <p:txBody>
+          <a:bodyPr/>
+          <a:lstStyle/>
+          <a:p>
+            <a:r>
+              <a:rPr lang="zh-TW" altLang="en-US" dirty="0" smtClean="0"/>
+              <a:t>建立一個新的</a:t>
+            </a:r>
+            <a:r>
+              <a:rPr lang="en-US" altLang="zh-TW" dirty="0" smtClean="0"/>
+              <a:t>DB</a:t>
+            </a:r>
+            <a:endParaRPr lang="zh-TW" altLang="en-US" dirty="0"/>
+          </a:p>
+        </p:txBody>
+      </p:sp>
+      <p:pic>
+        <p:nvPicPr>
+          <p:cNvPr id="3074" name="Picture 2"/>
+          <p:cNvPicPr>
+            <a:picLocks noChangeAspect="1" noChangeArrowheads="1"/>
+          </p:cNvPicPr>
+          <p:nvPr/>
+        </p:nvPicPr>
+        <p:blipFill>
+          <a:blip r:embed="rId2"/>
+          <a:srcRect/>
+          <a:stretch>
+            <a:fillRect/>
+          </a:stretch>
+        </p:blipFill>
+        <p:spPr bwMode="auto">
+          <a:xfrm>
+            <a:off x="771071" y="2859767"/>
+            <a:ext cx="6324600" cy="2038350"/>
+          </a:xfrm>
+          <a:prstGeom prst="rect">
+            <a:avLst/>
+          </a:prstGeom>
+          <a:noFill/>
+          <a:ln w="9525">
+            <a:noFill/>
+            <a:miter lim="800000"/>
+            <a:headEnd/>
+            <a:tailEnd/>
+          </a:ln>
+          <a:effectLst/>
+        </p:spPr>
+      </p:pic>
+    </p:spTree>
+  </p:cSld>
+  <p:clrMapOvr>
+    <a:masterClrMapping/>
+  </p:clrMapOvr>
+</p:sld>
+</file>
+
+<file path=ppt/slides/slide64.xml><?xml version="1.0" encoding="utf-8"?>
+<p:sld xmlns:a="http://schemas.openxmlformats.org/drawingml/2006/main" xmlns:r="http://schemas.openxmlformats.org/officeDocument/2006/relationships" xmlns:p="http://schemas.openxmlformats.org/presentationml/2006/main">
+  <p:cSld>
+    <p:spTree>
+      <p:nvGrpSpPr>
+        <p:cNvPr id="1" name=""/>
+        <p:cNvGrpSpPr/>
+        <p:nvPr/>
+      </p:nvGrpSpPr>
+      <p:grpSpPr>
+        <a:xfrm>
+          <a:off x="0" y="0"/>
+          <a:ext cx="0" cy="0"/>
+          <a:chOff x="0" y="0"/>
+          <a:chExt cx="0" cy="0"/>
+        </a:xfrm>
+      </p:grpSpPr>
+      <p:sp>
+        <p:nvSpPr>
+          <p:cNvPr id="2" name="標題 1"/>
+          <p:cNvSpPr>
+            <a:spLocks noGrp="1"/>
+          </p:cNvSpPr>
+          <p:nvPr>
+            <p:ph type="title"/>
+          </p:nvPr>
+        </p:nvSpPr>
+        <p:spPr/>
+        <p:txBody>
+          <a:bodyPr/>
+          <a:lstStyle/>
+          <a:p>
+            <a:r>
+              <a:rPr lang="en-US" altLang="zh-TW" dirty="0" err="1" smtClean="0"/>
+              <a:t>DB無法由外部存取</a:t>
+            </a:r>
+            <a:r>
+              <a:rPr lang="en-US" altLang="zh-TW" dirty="0" smtClean="0"/>
+              <a:t>!</a:t>
+            </a:r>
+            <a:endParaRPr lang="zh-TW" altLang="en-US" dirty="0"/>
+          </a:p>
+        </p:txBody>
+      </p:sp>
+      <p:sp>
+        <p:nvSpPr>
+          <p:cNvPr id="3" name="文字版面配置區 2"/>
+          <p:cNvSpPr>
+            <a:spLocks noGrp="1"/>
+          </p:cNvSpPr>
+          <p:nvPr>
+            <p:ph type="body" idx="1"/>
+          </p:nvPr>
+        </p:nvSpPr>
+        <p:spPr/>
+        <p:txBody>
+          <a:bodyPr/>
+          <a:lstStyle/>
+          <a:p>
+            <a:r>
+              <a:rPr lang="zh-TW" altLang="en-US" dirty="0" smtClean="0"/>
+              <a:t>沒錯</a:t>
+            </a:r>
+            <a:r>
+              <a:rPr lang="en-US" altLang="zh-TW" dirty="0" smtClean="0"/>
+              <a:t>!</a:t>
+            </a:r>
+            <a:r>
+              <a:rPr lang="zh-TW" altLang="en-US" dirty="0" smtClean="0"/>
+              <a:t> 這篇文章有做說明</a:t>
+            </a:r>
+            <a:endParaRPr lang="en-US" altLang="zh-TW" dirty="0" smtClean="0"/>
+          </a:p>
+          <a:p>
+            <a:r>
+              <a:rPr lang="en-US" altLang="zh-TW" dirty="0" smtClean="0">
+                <a:hlinkClick r:id="rId2"/>
+              </a:rPr>
+              <a:t>https://help.pythonanywhere.com/pages/AccessingMySQLFromOutsidePythonAnywhere</a:t>
+            </a:r>
+            <a:r>
+              <a:rPr lang="en-US" altLang="zh-TW" dirty="0" smtClean="0">
+                <a:hlinkClick r:id="rId2"/>
+              </a:rPr>
+              <a:t>/</a:t>
+            </a:r>
+            <a:endParaRPr lang="en-US" altLang="zh-TW" dirty="0" smtClean="0"/>
+          </a:p>
+          <a:p>
+            <a:r>
+              <a:rPr lang="zh-TW" altLang="en-US" dirty="0" smtClean="0"/>
+              <a:t>主要是因為</a:t>
+            </a:r>
+            <a:r>
+              <a:rPr lang="en-US" altLang="zh-TW" dirty="0" err="1" smtClean="0"/>
+              <a:t>DB被防火牆保護，只有在付費下，才讓使用者使用ssh</a:t>
+            </a:r>
+            <a:r>
+              <a:rPr lang="en-US" altLang="zh-TW" dirty="0" smtClean="0"/>
+              <a:t> </a:t>
+            </a:r>
+            <a:r>
+              <a:rPr lang="en-US" altLang="zh-TW" dirty="0" err="1" smtClean="0"/>
+              <a:t>tunnel的技術在外部存取</a:t>
+            </a:r>
+            <a:r>
+              <a:rPr lang="en-US" altLang="zh-TW" dirty="0" smtClean="0"/>
+              <a:t>(</a:t>
+            </a:r>
+            <a:r>
+              <a:rPr lang="en-US" altLang="zh-TW" dirty="0" err="1" smtClean="0"/>
+              <a:t>其實還是外內部存取，只是利用ssh加密通道做保護了</a:t>
+            </a:r>
+            <a:r>
+              <a:rPr lang="en-US" altLang="zh-TW" dirty="0" smtClean="0"/>
+              <a:t>)</a:t>
+            </a:r>
+            <a:endParaRPr lang="zh-TW" altLang="en-US" dirty="0"/>
+          </a:p>
+        </p:txBody>
+      </p:sp>
+    </p:spTree>
+  </p:cSld>
+  <p:clrMapOvr>
+    <a:masterClrMapping/>
+  </p:clrMapOvr>
+</p:sld>
+</file>
+
+<file path=ppt/slides/slide65.xml><?xml version="1.0" encoding="utf-8"?>
+<p:sld xmlns:a="http://schemas.openxmlformats.org/drawingml/2006/main" xmlns:r="http://schemas.openxmlformats.org/officeDocument/2006/relationships" xmlns:p="http://schemas.openxmlformats.org/presentationml/2006/main">
+  <p:cSld>
+    <p:spTree>
+      <p:nvGrpSpPr>
+        <p:cNvPr id="1" name=""/>
+        <p:cNvGrpSpPr/>
+        <p:nvPr/>
+      </p:nvGrpSpPr>
+      <p:grpSpPr>
+        <a:xfrm>
+          <a:off x="0" y="0"/>
+          <a:ext cx="0" cy="0"/>
+          <a:chOff x="0" y="0"/>
+          <a:chExt cx="0" cy="0"/>
+        </a:xfrm>
+      </p:grpSpPr>
+      <p:sp>
+        <p:nvSpPr>
+          <p:cNvPr id="2" name="標題 1"/>
+          <p:cNvSpPr>
+            <a:spLocks noGrp="1"/>
+          </p:cNvSpPr>
+          <p:nvPr>
+            <p:ph type="title"/>
+          </p:nvPr>
+        </p:nvSpPr>
+        <p:spPr/>
+        <p:txBody>
+          <a:bodyPr/>
+          <a:lstStyle/>
+          <a:p>
+            <a:r>
+              <a:rPr lang="zh-TW" altLang="en-US" dirty="0" smtClean="0"/>
+              <a:t>時區設定</a:t>
+            </a:r>
+            <a:endParaRPr lang="zh-TW" altLang="en-US" dirty="0"/>
+          </a:p>
+        </p:txBody>
+      </p:sp>
+      <p:sp>
+        <p:nvSpPr>
+          <p:cNvPr id="3" name="文字版面配置區 2"/>
+          <p:cNvSpPr>
+            <a:spLocks noGrp="1"/>
+          </p:cNvSpPr>
+          <p:nvPr>
+            <p:ph type="body" idx="1"/>
+          </p:nvPr>
+        </p:nvSpPr>
+        <p:spPr/>
+        <p:txBody>
+          <a:bodyPr/>
+          <a:lstStyle/>
+          <a:p>
+            <a:r>
+              <a:rPr lang="en-US" altLang="zh-TW" dirty="0" smtClean="0">
+                <a:hlinkClick r:id="rId2"/>
+              </a:rPr>
+              <a:t>https://help.pythonanywhere.com/pages/SettingTheTimezone</a:t>
+            </a:r>
+            <a:r>
+              <a:rPr lang="en-US" altLang="zh-TW" dirty="0" smtClean="0">
+                <a:hlinkClick r:id="rId2"/>
+              </a:rPr>
+              <a:t>/</a:t>
+            </a:r>
+            <a:endParaRPr lang="en-US" altLang="zh-TW" dirty="0" smtClean="0"/>
+          </a:p>
+          <a:p>
+            <a:r>
+              <a:rPr lang="zh-TW" altLang="en-US" dirty="0" smtClean="0"/>
+              <a:t>文章中建議這樣改</a:t>
+            </a:r>
+            <a:r>
+              <a:rPr lang="en-US" altLang="zh-TW" dirty="0" smtClean="0"/>
+              <a:t/>
+            </a:r>
+            <a:br>
+              <a:rPr lang="en-US" altLang="zh-TW" dirty="0" smtClean="0"/>
+            </a:br>
+            <a:r>
+              <a:rPr lang="en-US" altLang="zh-TW" dirty="0" err="1" smtClean="0"/>
+              <a:t>不過這樣只是bash時間改了</a:t>
+            </a:r>
+            <a:endParaRPr lang="zh-TW" altLang="en-US" dirty="0"/>
+          </a:p>
+        </p:txBody>
+      </p:sp>
+      <p:pic>
+        <p:nvPicPr>
+          <p:cNvPr id="5122" name="Picture 2"/>
+          <p:cNvPicPr>
+            <a:picLocks noChangeAspect="1" noChangeArrowheads="1"/>
+          </p:cNvPicPr>
+          <p:nvPr/>
+        </p:nvPicPr>
+        <p:blipFill>
+          <a:blip r:embed="rId3"/>
+          <a:srcRect/>
+          <a:stretch>
+            <a:fillRect/>
+          </a:stretch>
+        </p:blipFill>
+        <p:spPr bwMode="auto">
+          <a:xfrm>
+            <a:off x="4381500" y="2733675"/>
+            <a:ext cx="4762500" cy="4124325"/>
+          </a:xfrm>
+          <a:prstGeom prst="rect">
+            <a:avLst/>
+          </a:prstGeom>
+          <a:noFill/>
+          <a:ln w="9525">
+            <a:noFill/>
+            <a:miter lim="800000"/>
+            <a:headEnd/>
+            <a:tailEnd/>
+          </a:ln>
+          <a:effectLst/>
+        </p:spPr>
+      </p:pic>
+    </p:spTree>
+  </p:cSld>
+  <p:clrMapOvr>
+    <a:masterClrMapping/>
+  </p:clrMapOvr>
+</p:sld>
+</file>
+
+<file path=ppt/slides/slide66.xml><?xml version="1.0" encoding="utf-8"?>
+<p:sld xmlns:a="http://schemas.openxmlformats.org/drawingml/2006/main" xmlns:r="http://schemas.openxmlformats.org/officeDocument/2006/relationships" xmlns:p="http://schemas.openxmlformats.org/presentationml/2006/main">
+  <p:cSld>
+    <p:spTree>
+      <p:nvGrpSpPr>
+        <p:cNvPr id="1" name=""/>
+        <p:cNvGrpSpPr/>
+        <p:nvPr/>
+      </p:nvGrpSpPr>
+      <p:grpSpPr>
+        <a:xfrm>
+          <a:off x="0" y="0"/>
+          <a:ext cx="0" cy="0"/>
+          <a:chOff x="0" y="0"/>
+          <a:chExt cx="0" cy="0"/>
+        </a:xfrm>
+      </p:grpSpPr>
+      <p:sp>
+        <p:nvSpPr>
+          <p:cNvPr id="2" name="標題 1"/>
+          <p:cNvSpPr>
+            <a:spLocks noGrp="1"/>
+          </p:cNvSpPr>
+          <p:nvPr>
+            <p:ph type="title"/>
+          </p:nvPr>
+        </p:nvSpPr>
+        <p:spPr/>
+        <p:txBody>
+          <a:bodyPr/>
+          <a:lstStyle/>
+          <a:p>
+            <a:r>
+              <a:rPr lang="zh-TW" altLang="en-US" dirty="0" smtClean="0"/>
+              <a:t>時區設定</a:t>
+            </a:r>
+            <a:endParaRPr lang="zh-TW" altLang="en-US" dirty="0"/>
+          </a:p>
+        </p:txBody>
+      </p:sp>
+      <p:sp>
+        <p:nvSpPr>
+          <p:cNvPr id="3" name="文字版面配置區 2"/>
+          <p:cNvSpPr>
+            <a:spLocks noGrp="1"/>
+          </p:cNvSpPr>
+          <p:nvPr>
+            <p:ph type="body" idx="1"/>
+          </p:nvPr>
+        </p:nvSpPr>
+        <p:spPr/>
+        <p:txBody>
+          <a:bodyPr/>
+          <a:lstStyle/>
+          <a:p>
+            <a:r>
+              <a:rPr lang="zh-TW" altLang="en-US" dirty="0" smtClean="0"/>
+              <a:t>真的要讓程式執行中用</a:t>
+            </a:r>
+            <a:r>
+              <a:rPr lang="en-US" altLang="zh-TW" dirty="0" smtClean="0"/>
+              <a:t>+8時區，則是要這樣設定</a:t>
+            </a:r>
+          </a:p>
+          <a:p>
+            <a:r>
+              <a:rPr lang="en-US" altLang="zh-TW" dirty="0" smtClean="0"/>
+              <a:t>(</a:t>
+            </a:r>
+            <a:r>
+              <a:rPr lang="en-US" altLang="zh-TW" dirty="0" err="1" smtClean="0"/>
+              <a:t>主要是因為我們沒有linux系統最大權限，所以只能這樣</a:t>
+            </a:r>
+            <a:r>
+              <a:rPr lang="en-US" altLang="zh-TW" dirty="0" smtClean="0"/>
+              <a:t>)</a:t>
+            </a:r>
+            <a:endParaRPr lang="zh-TW" altLang="en-US" dirty="0"/>
+          </a:p>
+        </p:txBody>
+      </p:sp>
+      <p:pic>
+        <p:nvPicPr>
+          <p:cNvPr id="6146" name="Picture 2"/>
+          <p:cNvPicPr>
+            <a:picLocks noChangeAspect="1" noChangeArrowheads="1"/>
+          </p:cNvPicPr>
+          <p:nvPr/>
+        </p:nvPicPr>
+        <p:blipFill>
+          <a:blip r:embed="rId2"/>
+          <a:srcRect/>
+          <a:stretch>
+            <a:fillRect/>
+          </a:stretch>
+        </p:blipFill>
+        <p:spPr bwMode="auto">
+          <a:xfrm>
+            <a:off x="1483406" y="3111954"/>
+            <a:ext cx="4855361" cy="1547132"/>
           </a:xfrm>
           <a:prstGeom prst="rect">
             <a:avLst/>
